--- a/Documentation/TalosOriginsProgree.pptx
+++ b/Documentation/TalosOriginsProgree.pptx
@@ -2,7 +2,7 @@
 <file path=ppt/presentation.xml><?xml version="1.0" encoding="utf-8"?>
 <p:presentation xmlns:a="http://schemas.openxmlformats.org/drawingml/2006/main" xmlns:r="http://schemas.openxmlformats.org/officeDocument/2006/relationships" xmlns:p="http://schemas.openxmlformats.org/presentationml/2006/main" saveSubsetFonts="1">
   <p:sldMasterIdLst>
-    <p:sldMasterId id="2147483660" r:id="rId1"/>
+    <p:sldMasterId id="2147483672" r:id="rId1"/>
   </p:sldMasterIdLst>
   <p:sldIdLst>
     <p:sldId id="256" r:id="rId2"/>
@@ -107,6 +107,11 @@
       </a:defRPr>
     </a:lvl9pPr>
   </p:defaultTextStyle>
+  <p:extLst>
+    <p:ext uri="{EFAFB233-063F-42B5-8137-9DF3F51BA10A}">
+      <p15:sldGuideLst xmlns:p15="http://schemas.microsoft.com/office/powerpoint/2012/main"/>
+    </p:ext>
+  </p:extLst>
 </p:presentation>
 </file>
 
@@ -127,6 +132,36 @@
           <a:chExt cx="0" cy="0"/>
         </a:xfrm>
       </p:grpSpPr>
+      <p:pic>
+        <p:nvPicPr>
+          <p:cNvPr id="11" name="Picture 10" descr="Celestia-R1---OverlayTitleSD.png"/>
+          <p:cNvPicPr>
+            <a:picLocks noChangeAspect="1"/>
+          </p:cNvPicPr>
+          <p:nvPr/>
+        </p:nvPicPr>
+        <p:blipFill>
+          <a:blip r:embed="rId2">
+            <a:extLst>
+              <a:ext uri="{28A0092B-C50C-407E-A947-70E740481C1C}">
+                <a14:useLocalDpi xmlns:a14="http://schemas.microsoft.com/office/drawing/2010/main" val="0"/>
+              </a:ext>
+            </a:extLst>
+          </a:blip>
+          <a:stretch>
+            <a:fillRect/>
+          </a:stretch>
+        </p:blipFill>
+        <p:spPr>
+          <a:xfrm>
+            <a:off x="0" y="0"/>
+            <a:ext cx="7397750" cy="6858000"/>
+          </a:xfrm>
+          <a:prstGeom prst="rect">
+            <a:avLst/>
+          </a:prstGeom>
+        </p:spPr>
+      </p:pic>
       <p:sp>
         <p:nvSpPr>
           <p:cNvPr id="2" name="Title 1"/>
@@ -139,15 +174,19 @@
         </p:nvSpPr>
         <p:spPr>
           <a:xfrm>
-            <a:off x="685800" y="1122363"/>
-            <a:ext cx="7772400" cy="2387600"/>
-          </a:xfrm>
-        </p:spPr>
-        <p:txBody>
-          <a:bodyPr anchor="b"/>
+            <a:off x="2743973" y="1964267"/>
+            <a:ext cx="5714228" cy="2421464"/>
+          </a:xfrm>
+        </p:spPr>
+        <p:txBody>
+          <a:bodyPr anchor="b">
+            <a:normAutofit/>
+          </a:bodyPr>
           <a:lstStyle>
-            <a:lvl1pPr algn="ctr">
-              <a:defRPr sz="6000"/>
+            <a:lvl1pPr algn="r">
+              <a:defRPr sz="4400">
+                <a:effectLst/>
+              </a:defRPr>
             </a:lvl1pPr>
           </a:lstStyle>
           <a:p>
@@ -171,48 +210,102 @@
         </p:nvSpPr>
         <p:spPr>
           <a:xfrm>
-            <a:off x="1143000" y="3602038"/>
-            <a:ext cx="6858000" cy="1655762"/>
-          </a:xfrm>
-        </p:spPr>
-        <p:txBody>
-          <a:bodyPr/>
+            <a:off x="2743973" y="4385733"/>
+            <a:ext cx="5714228" cy="1405467"/>
+          </a:xfrm>
+        </p:spPr>
+        <p:txBody>
+          <a:bodyPr anchor="t">
+            <a:normAutofit/>
+          </a:bodyPr>
           <a:lstStyle>
-            <a:lvl1pPr marL="0" indent="0" algn="ctr">
-              <a:buNone/>
-              <a:defRPr sz="2400"/>
+            <a:lvl1pPr marL="0" indent="0" algn="r">
+              <a:buNone/>
+              <a:defRPr sz="1800" cap="all">
+                <a:solidFill>
+                  <a:schemeClr val="tx1"/>
+                </a:solidFill>
+              </a:defRPr>
             </a:lvl1pPr>
             <a:lvl2pPr marL="457200" indent="0" algn="ctr">
               <a:buNone/>
-              <a:defRPr sz="2000"/>
+              <a:defRPr>
+                <a:solidFill>
+                  <a:schemeClr val="tx1">
+                    <a:tint val="75000"/>
+                  </a:schemeClr>
+                </a:solidFill>
+              </a:defRPr>
             </a:lvl2pPr>
             <a:lvl3pPr marL="914400" indent="0" algn="ctr">
               <a:buNone/>
-              <a:defRPr sz="1800"/>
+              <a:defRPr>
+                <a:solidFill>
+                  <a:schemeClr val="tx1">
+                    <a:tint val="75000"/>
+                  </a:schemeClr>
+                </a:solidFill>
+              </a:defRPr>
             </a:lvl3pPr>
             <a:lvl4pPr marL="1371600" indent="0" algn="ctr">
               <a:buNone/>
-              <a:defRPr sz="1600"/>
+              <a:defRPr>
+                <a:solidFill>
+                  <a:schemeClr val="tx1">
+                    <a:tint val="75000"/>
+                  </a:schemeClr>
+                </a:solidFill>
+              </a:defRPr>
             </a:lvl4pPr>
             <a:lvl5pPr marL="1828800" indent="0" algn="ctr">
               <a:buNone/>
-              <a:defRPr sz="1600"/>
+              <a:defRPr>
+                <a:solidFill>
+                  <a:schemeClr val="tx1">
+                    <a:tint val="75000"/>
+                  </a:schemeClr>
+                </a:solidFill>
+              </a:defRPr>
             </a:lvl5pPr>
             <a:lvl6pPr marL="2286000" indent="0" algn="ctr">
               <a:buNone/>
-              <a:defRPr sz="1600"/>
+              <a:defRPr>
+                <a:solidFill>
+                  <a:schemeClr val="tx1">
+                    <a:tint val="75000"/>
+                  </a:schemeClr>
+                </a:solidFill>
+              </a:defRPr>
             </a:lvl6pPr>
             <a:lvl7pPr marL="2743200" indent="0" algn="ctr">
               <a:buNone/>
-              <a:defRPr sz="1600"/>
+              <a:defRPr>
+                <a:solidFill>
+                  <a:schemeClr val="tx1">
+                    <a:tint val="75000"/>
+                  </a:schemeClr>
+                </a:solidFill>
+              </a:defRPr>
             </a:lvl7pPr>
             <a:lvl8pPr marL="3200400" indent="0" algn="ctr">
               <a:buNone/>
-              <a:defRPr sz="1600"/>
+              <a:defRPr>
+                <a:solidFill>
+                  <a:schemeClr val="tx1">
+                    <a:tint val="75000"/>
+                  </a:schemeClr>
+                </a:solidFill>
+              </a:defRPr>
             </a:lvl8pPr>
             <a:lvl9pPr marL="3657600" indent="0" algn="ctr">
               <a:buNone/>
-              <a:defRPr sz="1600"/>
+              <a:defRPr>
+                <a:solidFill>
+                  <a:schemeClr val="tx1">
+                    <a:tint val="75000"/>
+                  </a:schemeClr>
+                </a:solidFill>
+              </a:defRPr>
             </a:lvl9pPr>
           </a:lstStyle>
           <a:p>
@@ -234,7 +327,12 @@
             <p:ph type="dt" sz="half" idx="10"/>
           </p:nvPr>
         </p:nvSpPr>
-        <p:spPr/>
+        <p:spPr>
+          <a:xfrm>
+            <a:off x="6752311" y="5870576"/>
+            <a:ext cx="1212173" cy="377825"/>
+          </a:xfrm>
+        </p:spPr>
         <p:txBody>
           <a:bodyPr/>
           <a:lstStyle/>
@@ -257,7 +355,12 @@
             <p:ph type="ftr" sz="quarter" idx="11"/>
           </p:nvPr>
         </p:nvSpPr>
-        <p:spPr/>
+        <p:spPr>
+          <a:xfrm>
+            <a:off x="2743973" y="5870576"/>
+            <a:ext cx="3932137" cy="377825"/>
+          </a:xfrm>
+        </p:spPr>
         <p:txBody>
           <a:bodyPr/>
           <a:lstStyle/>
@@ -276,7 +379,12 @@
             <p:ph type="sldNum" sz="quarter" idx="12"/>
           </p:nvPr>
         </p:nvSpPr>
-        <p:spPr/>
+        <p:spPr>
+          <a:xfrm>
+            <a:off x="8040685" y="5870576"/>
+            <a:ext cx="417516" cy="377825"/>
+          </a:xfrm>
+        </p:spPr>
         <p:txBody>
           <a:bodyPr/>
           <a:lstStyle/>
@@ -292,7 +400,7 @@
     </p:spTree>
     <p:extLst>
       <p:ext uri="{BB962C8B-B14F-4D97-AF65-F5344CB8AC3E}">
-        <p14:creationId xmlns:p14="http://schemas.microsoft.com/office/powerpoint/2010/main" val="2536215290"/>
+        <p14:creationId xmlns:p14="http://schemas.microsoft.com/office/powerpoint/2010/main" val="3161259177"/>
       </p:ext>
     </p:extLst>
   </p:cSld>
@@ -303,6 +411,2315 @@
 </file>
 
 <file path=ppt/slideLayouts/slideLayout10.xml><?xml version="1.0" encoding="utf-8"?>
+<p:sldLayout xmlns:a="http://schemas.openxmlformats.org/drawingml/2006/main" xmlns:r="http://schemas.openxmlformats.org/officeDocument/2006/relationships" xmlns:p="http://schemas.openxmlformats.org/presentationml/2006/main" preserve="1">
+  <p:cSld name="Panoramic Picture with Caption">
+    <p:spTree>
+      <p:nvGrpSpPr>
+        <p:cNvPr id="1" name=""/>
+        <p:cNvGrpSpPr/>
+        <p:nvPr/>
+      </p:nvGrpSpPr>
+      <p:grpSpPr>
+        <a:xfrm>
+          <a:off x="0" y="0"/>
+          <a:ext cx="0" cy="0"/>
+          <a:chOff x="0" y="0"/>
+          <a:chExt cx="0" cy="0"/>
+        </a:xfrm>
+      </p:grpSpPr>
+      <p:pic>
+        <p:nvPicPr>
+          <p:cNvPr id="10" name="Picture 9" descr="Celestia-R1---OverlayContentSD.png"/>
+          <p:cNvPicPr>
+            <a:picLocks noChangeAspect="1"/>
+          </p:cNvPicPr>
+          <p:nvPr/>
+        </p:nvPicPr>
+        <p:blipFill>
+          <a:blip r:embed="rId2">
+            <a:extLst>
+              <a:ext uri="{28A0092B-C50C-407E-A947-70E740481C1C}">
+                <a14:useLocalDpi xmlns:a14="http://schemas.microsoft.com/office/drawing/2010/main" val="0"/>
+              </a:ext>
+            </a:extLst>
+          </a:blip>
+          <a:stretch>
+            <a:fillRect/>
+          </a:stretch>
+        </p:blipFill>
+        <p:spPr>
+          <a:xfrm>
+            <a:off x="13956" y="0"/>
+            <a:ext cx="9118600" cy="6858000"/>
+          </a:xfrm>
+          <a:prstGeom prst="rect">
+            <a:avLst/>
+          </a:prstGeom>
+        </p:spPr>
+      </p:pic>
+      <p:sp>
+        <p:nvSpPr>
+          <p:cNvPr id="2" name="Title 1"/>
+          <p:cNvSpPr>
+            <a:spLocks noGrp="1"/>
+          </p:cNvSpPr>
+          <p:nvPr>
+            <p:ph type="title"/>
+          </p:nvPr>
+        </p:nvSpPr>
+        <p:spPr>
+          <a:xfrm>
+            <a:off x="457201" y="4732865"/>
+            <a:ext cx="7772400" cy="566738"/>
+          </a:xfrm>
+        </p:spPr>
+        <p:txBody>
+          <a:bodyPr anchor="b">
+            <a:normAutofit/>
+          </a:bodyPr>
+          <a:lstStyle>
+            <a:lvl1pPr algn="l">
+              <a:defRPr sz="2000" b="0"/>
+            </a:lvl1pPr>
+          </a:lstStyle>
+          <a:p>
+            <a:r>
+              <a:rPr lang="en-US" smtClean="0"/>
+              <a:t>Click to edit Master title style</a:t>
+            </a:r>
+            <a:endParaRPr lang="en-US" dirty="0"/>
+          </a:p>
+        </p:txBody>
+      </p:sp>
+      <p:sp>
+        <p:nvSpPr>
+          <p:cNvPr id="3" name="Picture Placeholder 2"/>
+          <p:cNvSpPr>
+            <a:spLocks noGrp="1" noChangeAspect="1"/>
+          </p:cNvSpPr>
+          <p:nvPr>
+            <p:ph type="pic" idx="1"/>
+          </p:nvPr>
+        </p:nvSpPr>
+        <p:spPr>
+          <a:xfrm>
+            <a:off x="914401" y="932112"/>
+            <a:ext cx="6858000" cy="3164976"/>
+          </a:xfrm>
+          <a:prstGeom prst="roundRect">
+            <a:avLst>
+              <a:gd name="adj" fmla="val 4380"/>
+            </a:avLst>
+          </a:prstGeom>
+          <a:ln w="50800" cap="sq" cmpd="dbl">
+            <a:gradFill flip="none" rotWithShape="1">
+              <a:gsLst>
+                <a:gs pos="0">
+                  <a:srgbClr val="FFFFFF"/>
+                </a:gs>
+                <a:gs pos="100000">
+                  <a:schemeClr val="tx1">
+                    <a:alpha val="0"/>
+                  </a:schemeClr>
+                </a:gs>
+              </a:gsLst>
+              <a:path path="circle">
+                <a:fillToRect l="50000" t="50000" r="50000" b="50000"/>
+              </a:path>
+              <a:tileRect/>
+            </a:gradFill>
+            <a:miter lim="800000"/>
+          </a:ln>
+          <a:effectLst>
+            <a:outerShdw blurRad="254000" algn="tl" rotWithShape="0">
+              <a:srgbClr val="000000">
+                <a:alpha val="43000"/>
+              </a:srgbClr>
+            </a:outerShdw>
+          </a:effectLst>
+        </p:spPr>
+        <p:txBody>
+          <a:bodyPr vert="horz" lIns="91440" tIns="45720" rIns="91440" bIns="45720" rtlCol="0" anchor="t">
+            <a:normAutofit/>
+          </a:bodyPr>
+          <a:lstStyle>
+            <a:lvl1pPr>
+              <a:defRPr lang="en-US" sz="1600"/>
+            </a:lvl1pPr>
+          </a:lstStyle>
+          <a:p>
+            <a:pPr marL="0" lvl="0" indent="0" algn="ctr">
+              <a:buNone/>
+            </a:pPr>
+            <a:r>
+              <a:rPr lang="en-US" smtClean="0"/>
+              <a:t>Click icon to add picture</a:t>
+            </a:r>
+            <a:endParaRPr lang="en-US" dirty="0"/>
+          </a:p>
+        </p:txBody>
+      </p:sp>
+      <p:sp>
+        <p:nvSpPr>
+          <p:cNvPr id="4" name="Text Placeholder 3"/>
+          <p:cNvSpPr>
+            <a:spLocks noGrp="1"/>
+          </p:cNvSpPr>
+          <p:nvPr>
+            <p:ph type="body" sz="half" idx="2"/>
+          </p:nvPr>
+        </p:nvSpPr>
+        <p:spPr>
+          <a:xfrm>
+            <a:off x="457201" y="5299603"/>
+            <a:ext cx="7772400" cy="493712"/>
+          </a:xfrm>
+        </p:spPr>
+        <p:txBody>
+          <a:bodyPr>
+            <a:normAutofit/>
+          </a:bodyPr>
+          <a:lstStyle>
+            <a:lvl1pPr marL="0" indent="0">
+              <a:buNone/>
+              <a:defRPr sz="1400"/>
+            </a:lvl1pPr>
+            <a:lvl2pPr marL="457200" indent="0">
+              <a:buNone/>
+              <a:defRPr sz="1200"/>
+            </a:lvl2pPr>
+            <a:lvl3pPr marL="914400" indent="0">
+              <a:buNone/>
+              <a:defRPr sz="1000"/>
+            </a:lvl3pPr>
+            <a:lvl4pPr marL="1371600" indent="0">
+              <a:buNone/>
+              <a:defRPr sz="900"/>
+            </a:lvl4pPr>
+            <a:lvl5pPr marL="1828800" indent="0">
+              <a:buNone/>
+              <a:defRPr sz="900"/>
+            </a:lvl5pPr>
+            <a:lvl6pPr marL="2286000" indent="0">
+              <a:buNone/>
+              <a:defRPr sz="900"/>
+            </a:lvl6pPr>
+            <a:lvl7pPr marL="2743200" indent="0">
+              <a:buNone/>
+              <a:defRPr sz="900"/>
+            </a:lvl7pPr>
+            <a:lvl8pPr marL="3200400" indent="0">
+              <a:buNone/>
+              <a:defRPr sz="900"/>
+            </a:lvl8pPr>
+            <a:lvl9pPr marL="3657600" indent="0">
+              <a:buNone/>
+              <a:defRPr sz="900"/>
+            </a:lvl9pPr>
+          </a:lstStyle>
+          <a:p>
+            <a:pPr lvl="0"/>
+            <a:r>
+              <a:rPr lang="en-US" smtClean="0"/>
+              <a:t>Edit Master text styles</a:t>
+            </a:r>
+          </a:p>
+        </p:txBody>
+      </p:sp>
+      <p:sp>
+        <p:nvSpPr>
+          <p:cNvPr id="5" name="Date Placeholder 4"/>
+          <p:cNvSpPr>
+            <a:spLocks noGrp="1"/>
+          </p:cNvSpPr>
+          <p:nvPr>
+            <p:ph type="dt" sz="half" idx="10"/>
+          </p:nvPr>
+        </p:nvSpPr>
+        <p:spPr/>
+        <p:txBody>
+          <a:bodyPr/>
+          <a:lstStyle/>
+          <a:p>
+            <a:fld id="{098AA2DD-3A48-4BBA-A45A-3CB8AAA407A1}" type="datetimeFigureOut">
+              <a:rPr lang="en-CA" smtClean="0"/>
+              <a:t>2015-10-31</a:t>
+            </a:fld>
+            <a:endParaRPr lang="en-CA"/>
+          </a:p>
+        </p:txBody>
+      </p:sp>
+      <p:sp>
+        <p:nvSpPr>
+          <p:cNvPr id="6" name="Footer Placeholder 5"/>
+          <p:cNvSpPr>
+            <a:spLocks noGrp="1"/>
+          </p:cNvSpPr>
+          <p:nvPr>
+            <p:ph type="ftr" sz="quarter" idx="11"/>
+          </p:nvPr>
+        </p:nvSpPr>
+        <p:spPr/>
+        <p:txBody>
+          <a:bodyPr/>
+          <a:lstStyle/>
+          <a:p>
+            <a:endParaRPr lang="en-CA"/>
+          </a:p>
+        </p:txBody>
+      </p:sp>
+      <p:sp>
+        <p:nvSpPr>
+          <p:cNvPr id="7" name="Slide Number Placeholder 6"/>
+          <p:cNvSpPr>
+            <a:spLocks noGrp="1"/>
+          </p:cNvSpPr>
+          <p:nvPr>
+            <p:ph type="sldNum" sz="quarter" idx="12"/>
+          </p:nvPr>
+        </p:nvSpPr>
+        <p:spPr/>
+        <p:txBody>
+          <a:bodyPr/>
+          <a:lstStyle/>
+          <a:p>
+            <a:fld id="{799C70E3-AC70-4D36-BFD1-8A51B9183344}" type="slidenum">
+              <a:rPr lang="en-CA" smtClean="0"/>
+              <a:t>‹#›</a:t>
+            </a:fld>
+            <a:endParaRPr lang="en-CA"/>
+          </a:p>
+        </p:txBody>
+      </p:sp>
+    </p:spTree>
+    <p:extLst>
+      <p:ext uri="{BB962C8B-B14F-4D97-AF65-F5344CB8AC3E}">
+        <p14:creationId xmlns:p14="http://schemas.microsoft.com/office/powerpoint/2010/main" val="1786758844"/>
+      </p:ext>
+    </p:extLst>
+  </p:cSld>
+  <p:clrMapOvr>
+    <a:masterClrMapping/>
+  </p:clrMapOvr>
+</p:sldLayout>
+</file>
+
+<file path=ppt/slideLayouts/slideLayout11.xml><?xml version="1.0" encoding="utf-8"?>
+<p:sldLayout xmlns:a="http://schemas.openxmlformats.org/drawingml/2006/main" xmlns:r="http://schemas.openxmlformats.org/officeDocument/2006/relationships" xmlns:p="http://schemas.openxmlformats.org/presentationml/2006/main" preserve="1">
+  <p:cSld name="Title and Caption">
+    <p:spTree>
+      <p:nvGrpSpPr>
+        <p:cNvPr id="1" name=""/>
+        <p:cNvGrpSpPr/>
+        <p:nvPr/>
+      </p:nvGrpSpPr>
+      <p:grpSpPr>
+        <a:xfrm>
+          <a:off x="0" y="0"/>
+          <a:ext cx="0" cy="0"/>
+          <a:chOff x="0" y="0"/>
+          <a:chExt cx="0" cy="0"/>
+        </a:xfrm>
+      </p:grpSpPr>
+      <p:pic>
+        <p:nvPicPr>
+          <p:cNvPr id="7" name="Picture 6" descr="Celestia-R1---OverlayContentSD.png"/>
+          <p:cNvPicPr>
+            <a:picLocks noChangeAspect="1"/>
+          </p:cNvPicPr>
+          <p:nvPr/>
+        </p:nvPicPr>
+        <p:blipFill>
+          <a:blip r:embed="rId2">
+            <a:extLst>
+              <a:ext uri="{28A0092B-C50C-407E-A947-70E740481C1C}">
+                <a14:useLocalDpi xmlns:a14="http://schemas.microsoft.com/office/drawing/2010/main" val="0"/>
+              </a:ext>
+            </a:extLst>
+          </a:blip>
+          <a:stretch>
+            <a:fillRect/>
+          </a:stretch>
+        </p:blipFill>
+        <p:spPr>
+          <a:xfrm>
+            <a:off x="13956" y="0"/>
+            <a:ext cx="9118600" cy="6858000"/>
+          </a:xfrm>
+          <a:prstGeom prst="rect">
+            <a:avLst/>
+          </a:prstGeom>
+        </p:spPr>
+      </p:pic>
+      <p:sp>
+        <p:nvSpPr>
+          <p:cNvPr id="2" name="Title 1"/>
+          <p:cNvSpPr>
+            <a:spLocks noGrp="1"/>
+          </p:cNvSpPr>
+          <p:nvPr>
+            <p:ph type="title"/>
+          </p:nvPr>
+        </p:nvSpPr>
+        <p:spPr>
+          <a:xfrm>
+            <a:off x="457203" y="609602"/>
+            <a:ext cx="7772399" cy="3124199"/>
+          </a:xfrm>
+        </p:spPr>
+        <p:txBody>
+          <a:bodyPr anchor="ctr">
+            <a:normAutofit/>
+          </a:bodyPr>
+          <a:lstStyle>
+            <a:lvl1pPr algn="l">
+              <a:defRPr sz="3200" b="0" cap="none"/>
+            </a:lvl1pPr>
+          </a:lstStyle>
+          <a:p>
+            <a:r>
+              <a:rPr lang="en-US" smtClean="0"/>
+              <a:t>Click to edit Master title style</a:t>
+            </a:r>
+            <a:endParaRPr lang="en-US" dirty="0"/>
+          </a:p>
+        </p:txBody>
+      </p:sp>
+      <p:sp>
+        <p:nvSpPr>
+          <p:cNvPr id="3" name="Text Placeholder 2"/>
+          <p:cNvSpPr>
+            <a:spLocks noGrp="1"/>
+          </p:cNvSpPr>
+          <p:nvPr>
+            <p:ph type="body" idx="1"/>
+          </p:nvPr>
+        </p:nvSpPr>
+        <p:spPr>
+          <a:xfrm>
+            <a:off x="457202" y="4343400"/>
+            <a:ext cx="7772399" cy="1447800"/>
+          </a:xfrm>
+        </p:spPr>
+        <p:txBody>
+          <a:bodyPr anchor="ctr">
+            <a:normAutofit/>
+          </a:bodyPr>
+          <a:lstStyle>
+            <a:lvl1pPr marL="0" indent="0" algn="l">
+              <a:buNone/>
+              <a:defRPr sz="2000">
+                <a:solidFill>
+                  <a:schemeClr val="tx1"/>
+                </a:solidFill>
+              </a:defRPr>
+            </a:lvl1pPr>
+            <a:lvl2pPr marL="457200" indent="0">
+              <a:buNone/>
+              <a:defRPr sz="1800">
+                <a:solidFill>
+                  <a:schemeClr val="tx1">
+                    <a:tint val="75000"/>
+                  </a:schemeClr>
+                </a:solidFill>
+              </a:defRPr>
+            </a:lvl2pPr>
+            <a:lvl3pPr marL="914400" indent="0">
+              <a:buNone/>
+              <a:defRPr sz="1600">
+                <a:solidFill>
+                  <a:schemeClr val="tx1">
+                    <a:tint val="75000"/>
+                  </a:schemeClr>
+                </a:solidFill>
+              </a:defRPr>
+            </a:lvl3pPr>
+            <a:lvl4pPr marL="1371600" indent="0">
+              <a:buNone/>
+              <a:defRPr sz="1400">
+                <a:solidFill>
+                  <a:schemeClr val="tx1">
+                    <a:tint val="75000"/>
+                  </a:schemeClr>
+                </a:solidFill>
+              </a:defRPr>
+            </a:lvl4pPr>
+            <a:lvl5pPr marL="1828800" indent="0">
+              <a:buNone/>
+              <a:defRPr sz="1400">
+                <a:solidFill>
+                  <a:schemeClr val="tx1">
+                    <a:tint val="75000"/>
+                  </a:schemeClr>
+                </a:solidFill>
+              </a:defRPr>
+            </a:lvl5pPr>
+            <a:lvl6pPr marL="2286000" indent="0">
+              <a:buNone/>
+              <a:defRPr sz="1400">
+                <a:solidFill>
+                  <a:schemeClr val="tx1">
+                    <a:tint val="75000"/>
+                  </a:schemeClr>
+                </a:solidFill>
+              </a:defRPr>
+            </a:lvl6pPr>
+            <a:lvl7pPr marL="2743200" indent="0">
+              <a:buNone/>
+              <a:defRPr sz="1400">
+                <a:solidFill>
+                  <a:schemeClr val="tx1">
+                    <a:tint val="75000"/>
+                  </a:schemeClr>
+                </a:solidFill>
+              </a:defRPr>
+            </a:lvl7pPr>
+            <a:lvl8pPr marL="3200400" indent="0">
+              <a:buNone/>
+              <a:defRPr sz="1400">
+                <a:solidFill>
+                  <a:schemeClr val="tx1">
+                    <a:tint val="75000"/>
+                  </a:schemeClr>
+                </a:solidFill>
+              </a:defRPr>
+            </a:lvl8pPr>
+            <a:lvl9pPr marL="3657600" indent="0">
+              <a:buNone/>
+              <a:defRPr sz="1400">
+                <a:solidFill>
+                  <a:schemeClr val="tx1">
+                    <a:tint val="75000"/>
+                  </a:schemeClr>
+                </a:solidFill>
+              </a:defRPr>
+            </a:lvl9pPr>
+          </a:lstStyle>
+          <a:p>
+            <a:pPr lvl="0"/>
+            <a:r>
+              <a:rPr lang="en-US" smtClean="0"/>
+              <a:t>Edit Master text styles</a:t>
+            </a:r>
+          </a:p>
+        </p:txBody>
+      </p:sp>
+      <p:sp>
+        <p:nvSpPr>
+          <p:cNvPr id="4" name="Date Placeholder 3"/>
+          <p:cNvSpPr>
+            <a:spLocks noGrp="1"/>
+          </p:cNvSpPr>
+          <p:nvPr>
+            <p:ph type="dt" sz="half" idx="10"/>
+          </p:nvPr>
+        </p:nvSpPr>
+        <p:spPr/>
+        <p:txBody>
+          <a:bodyPr/>
+          <a:lstStyle/>
+          <a:p>
+            <a:fld id="{098AA2DD-3A48-4BBA-A45A-3CB8AAA407A1}" type="datetimeFigureOut">
+              <a:rPr lang="en-CA" smtClean="0"/>
+              <a:t>2015-10-31</a:t>
+            </a:fld>
+            <a:endParaRPr lang="en-CA"/>
+          </a:p>
+        </p:txBody>
+      </p:sp>
+      <p:sp>
+        <p:nvSpPr>
+          <p:cNvPr id="5" name="Footer Placeholder 4"/>
+          <p:cNvSpPr>
+            <a:spLocks noGrp="1"/>
+          </p:cNvSpPr>
+          <p:nvPr>
+            <p:ph type="ftr" sz="quarter" idx="11"/>
+          </p:nvPr>
+        </p:nvSpPr>
+        <p:spPr/>
+        <p:txBody>
+          <a:bodyPr/>
+          <a:lstStyle/>
+          <a:p>
+            <a:endParaRPr lang="en-CA"/>
+          </a:p>
+        </p:txBody>
+      </p:sp>
+      <p:sp>
+        <p:nvSpPr>
+          <p:cNvPr id="6" name="Slide Number Placeholder 5"/>
+          <p:cNvSpPr>
+            <a:spLocks noGrp="1"/>
+          </p:cNvSpPr>
+          <p:nvPr>
+            <p:ph type="sldNum" sz="quarter" idx="12"/>
+          </p:nvPr>
+        </p:nvSpPr>
+        <p:spPr/>
+        <p:txBody>
+          <a:bodyPr/>
+          <a:lstStyle/>
+          <a:p>
+            <a:fld id="{799C70E3-AC70-4D36-BFD1-8A51B9183344}" type="slidenum">
+              <a:rPr lang="en-CA" smtClean="0"/>
+              <a:t>‹#›</a:t>
+            </a:fld>
+            <a:endParaRPr lang="en-CA"/>
+          </a:p>
+        </p:txBody>
+      </p:sp>
+    </p:spTree>
+    <p:extLst>
+      <p:ext uri="{BB962C8B-B14F-4D97-AF65-F5344CB8AC3E}">
+        <p14:creationId xmlns:p14="http://schemas.microsoft.com/office/powerpoint/2010/main" val="254250720"/>
+      </p:ext>
+    </p:extLst>
+  </p:cSld>
+  <p:clrMapOvr>
+    <a:masterClrMapping/>
+  </p:clrMapOvr>
+</p:sldLayout>
+</file>
+
+<file path=ppt/slideLayouts/slideLayout12.xml><?xml version="1.0" encoding="utf-8"?>
+<p:sldLayout xmlns:a="http://schemas.openxmlformats.org/drawingml/2006/main" xmlns:r="http://schemas.openxmlformats.org/officeDocument/2006/relationships" xmlns:p="http://schemas.openxmlformats.org/presentationml/2006/main" preserve="1">
+  <p:cSld name="Quote with Caption">
+    <p:spTree>
+      <p:nvGrpSpPr>
+        <p:cNvPr id="1" name=""/>
+        <p:cNvGrpSpPr/>
+        <p:nvPr/>
+      </p:nvGrpSpPr>
+      <p:grpSpPr>
+        <a:xfrm>
+          <a:off x="0" y="0"/>
+          <a:ext cx="0" cy="0"/>
+          <a:chOff x="0" y="0"/>
+          <a:chExt cx="0" cy="0"/>
+        </a:xfrm>
+      </p:grpSpPr>
+      <p:pic>
+        <p:nvPicPr>
+          <p:cNvPr id="17" name="Picture 16" descr="Celestia-R1---OverlayContentSD.png"/>
+          <p:cNvPicPr>
+            <a:picLocks noChangeAspect="1"/>
+          </p:cNvPicPr>
+          <p:nvPr/>
+        </p:nvPicPr>
+        <p:blipFill>
+          <a:blip r:embed="rId2">
+            <a:extLst>
+              <a:ext uri="{28A0092B-C50C-407E-A947-70E740481C1C}">
+                <a14:useLocalDpi xmlns:a14="http://schemas.microsoft.com/office/drawing/2010/main" val="0"/>
+              </a:ext>
+            </a:extLst>
+          </a:blip>
+          <a:stretch>
+            <a:fillRect/>
+          </a:stretch>
+        </p:blipFill>
+        <p:spPr>
+          <a:xfrm>
+            <a:off x="13956" y="0"/>
+            <a:ext cx="9118600" cy="6858000"/>
+          </a:xfrm>
+          <a:prstGeom prst="rect">
+            <a:avLst/>
+          </a:prstGeom>
+        </p:spPr>
+      </p:pic>
+      <p:sp>
+        <p:nvSpPr>
+          <p:cNvPr id="14" name="TextBox 13"/>
+          <p:cNvSpPr txBox="1"/>
+          <p:nvPr/>
+        </p:nvSpPr>
+        <p:spPr>
+          <a:xfrm>
+            <a:off x="421796" y="718114"/>
+            <a:ext cx="457319" cy="584776"/>
+          </a:xfrm>
+          <a:prstGeom prst="rect">
+            <a:avLst/>
+          </a:prstGeom>
+        </p:spPr>
+        <p:txBody>
+          <a:bodyPr vert="horz" lIns="91440" tIns="45720" rIns="91440" bIns="45720" rtlCol="0" anchor="ctr">
+            <a:noAutofit/>
+          </a:bodyPr>
+          <a:lstStyle>
+            <a:lvl1pPr>
+              <a:spcBef>
+                <a:spcPct val="0"/>
+              </a:spcBef>
+              <a:buNone/>
+              <a:defRPr sz="3200" b="0" cap="all">
+                <a:ln w="3175" cmpd="sng">
+                  <a:noFill/>
+                </a:ln>
+                <a:effectLst>
+                  <a:glow rad="38100">
+                    <a:schemeClr val="bg1">
+                      <a:lumMod val="65000"/>
+                      <a:lumOff val="35000"/>
+                      <a:alpha val="40000"/>
+                    </a:schemeClr>
+                  </a:glow>
+                  <a:outerShdw blurRad="28575" dist="38100" dir="14040000" algn="tl" rotWithShape="0">
+                    <a:srgbClr val="000000">
+                      <a:alpha val="25000"/>
+                    </a:srgbClr>
+                  </a:outerShdw>
+                </a:effectLst>
+              </a:defRPr>
+            </a:lvl1pPr>
+            <a:lvl2pPr>
+              <a:defRPr>
+                <a:solidFill>
+                  <a:schemeClr val="tx2"/>
+                </a:solidFill>
+              </a:defRPr>
+            </a:lvl2pPr>
+            <a:lvl3pPr>
+              <a:defRPr>
+                <a:solidFill>
+                  <a:schemeClr val="tx2"/>
+                </a:solidFill>
+              </a:defRPr>
+            </a:lvl3pPr>
+            <a:lvl4pPr>
+              <a:defRPr>
+                <a:solidFill>
+                  <a:schemeClr val="tx2"/>
+                </a:solidFill>
+              </a:defRPr>
+            </a:lvl4pPr>
+            <a:lvl5pPr>
+              <a:defRPr>
+                <a:solidFill>
+                  <a:schemeClr val="tx2"/>
+                </a:solidFill>
+              </a:defRPr>
+            </a:lvl5pPr>
+            <a:lvl6pPr>
+              <a:defRPr>
+                <a:solidFill>
+                  <a:schemeClr val="tx2"/>
+                </a:solidFill>
+              </a:defRPr>
+            </a:lvl6pPr>
+            <a:lvl7pPr>
+              <a:defRPr>
+                <a:solidFill>
+                  <a:schemeClr val="tx2"/>
+                </a:solidFill>
+              </a:defRPr>
+            </a:lvl7pPr>
+            <a:lvl8pPr>
+              <a:defRPr>
+                <a:solidFill>
+                  <a:schemeClr val="tx2"/>
+                </a:solidFill>
+              </a:defRPr>
+            </a:lvl8pPr>
+            <a:lvl9pPr>
+              <a:defRPr>
+                <a:solidFill>
+                  <a:schemeClr val="tx2"/>
+                </a:solidFill>
+              </a:defRPr>
+            </a:lvl9pPr>
+          </a:lstStyle>
+          <a:p>
+            <a:pPr lvl="0"/>
+            <a:r>
+              <a:rPr lang="en-US" sz="8000" dirty="0">
+                <a:solidFill>
+                  <a:schemeClr val="tx1"/>
+                </a:solidFill>
+                <a:effectLst/>
+              </a:rPr>
+              <a:t>“</a:t>
+            </a:r>
+          </a:p>
+        </p:txBody>
+      </p:sp>
+      <p:sp>
+        <p:nvSpPr>
+          <p:cNvPr id="15" name="TextBox 14"/>
+          <p:cNvSpPr txBox="1"/>
+          <p:nvPr/>
+        </p:nvSpPr>
+        <p:spPr>
+          <a:xfrm>
+            <a:off x="7735800" y="2751671"/>
+            <a:ext cx="457319" cy="584776"/>
+          </a:xfrm>
+          <a:prstGeom prst="rect">
+            <a:avLst/>
+          </a:prstGeom>
+        </p:spPr>
+        <p:txBody>
+          <a:bodyPr vert="horz" lIns="91440" tIns="45720" rIns="91440" bIns="45720" rtlCol="0" anchor="ctr">
+            <a:noAutofit/>
+          </a:bodyPr>
+          <a:lstStyle>
+            <a:lvl1pPr>
+              <a:spcBef>
+                <a:spcPct val="0"/>
+              </a:spcBef>
+              <a:buNone/>
+              <a:defRPr sz="3200" b="0" cap="all">
+                <a:ln w="3175" cmpd="sng">
+                  <a:noFill/>
+                </a:ln>
+                <a:effectLst>
+                  <a:glow rad="38100">
+                    <a:schemeClr val="bg1">
+                      <a:lumMod val="65000"/>
+                      <a:lumOff val="35000"/>
+                      <a:alpha val="40000"/>
+                    </a:schemeClr>
+                  </a:glow>
+                  <a:outerShdw blurRad="28575" dist="38100" dir="14040000" algn="tl" rotWithShape="0">
+                    <a:srgbClr val="000000">
+                      <a:alpha val="25000"/>
+                    </a:srgbClr>
+                  </a:outerShdw>
+                </a:effectLst>
+              </a:defRPr>
+            </a:lvl1pPr>
+            <a:lvl2pPr>
+              <a:defRPr>
+                <a:solidFill>
+                  <a:schemeClr val="tx2"/>
+                </a:solidFill>
+              </a:defRPr>
+            </a:lvl2pPr>
+            <a:lvl3pPr>
+              <a:defRPr>
+                <a:solidFill>
+                  <a:schemeClr val="tx2"/>
+                </a:solidFill>
+              </a:defRPr>
+            </a:lvl3pPr>
+            <a:lvl4pPr>
+              <a:defRPr>
+                <a:solidFill>
+                  <a:schemeClr val="tx2"/>
+                </a:solidFill>
+              </a:defRPr>
+            </a:lvl4pPr>
+            <a:lvl5pPr>
+              <a:defRPr>
+                <a:solidFill>
+                  <a:schemeClr val="tx2"/>
+                </a:solidFill>
+              </a:defRPr>
+            </a:lvl5pPr>
+            <a:lvl6pPr>
+              <a:defRPr>
+                <a:solidFill>
+                  <a:schemeClr val="tx2"/>
+                </a:solidFill>
+              </a:defRPr>
+            </a:lvl6pPr>
+            <a:lvl7pPr>
+              <a:defRPr>
+                <a:solidFill>
+                  <a:schemeClr val="tx2"/>
+                </a:solidFill>
+              </a:defRPr>
+            </a:lvl7pPr>
+            <a:lvl8pPr>
+              <a:defRPr>
+                <a:solidFill>
+                  <a:schemeClr val="tx2"/>
+                </a:solidFill>
+              </a:defRPr>
+            </a:lvl8pPr>
+            <a:lvl9pPr>
+              <a:defRPr>
+                <a:solidFill>
+                  <a:schemeClr val="tx2"/>
+                </a:solidFill>
+              </a:defRPr>
+            </a:lvl9pPr>
+          </a:lstStyle>
+          <a:p>
+            <a:pPr lvl="0" algn="r"/>
+            <a:r>
+              <a:rPr lang="en-US" sz="8000" dirty="0">
+                <a:solidFill>
+                  <a:schemeClr val="tx1"/>
+                </a:solidFill>
+                <a:effectLst/>
+              </a:rPr>
+              <a:t>”</a:t>
+            </a:r>
+          </a:p>
+        </p:txBody>
+      </p:sp>
+      <p:sp>
+        <p:nvSpPr>
+          <p:cNvPr id="2" name="Title 1"/>
+          <p:cNvSpPr>
+            <a:spLocks noGrp="1"/>
+          </p:cNvSpPr>
+          <p:nvPr>
+            <p:ph type="title"/>
+          </p:nvPr>
+        </p:nvSpPr>
+        <p:spPr>
+          <a:xfrm>
+            <a:off x="879115" y="609602"/>
+            <a:ext cx="7091297" cy="2743199"/>
+          </a:xfrm>
+        </p:spPr>
+        <p:txBody>
+          <a:bodyPr anchor="ctr">
+            <a:normAutofit/>
+          </a:bodyPr>
+          <a:lstStyle>
+            <a:lvl1pPr algn="l">
+              <a:defRPr sz="3200" b="0" cap="none">
+                <a:solidFill>
+                  <a:schemeClr val="tx1"/>
+                </a:solidFill>
+              </a:defRPr>
+            </a:lvl1pPr>
+          </a:lstStyle>
+          <a:p>
+            <a:r>
+              <a:rPr lang="en-US" smtClean="0"/>
+              <a:t>Click to edit Master title style</a:t>
+            </a:r>
+            <a:endParaRPr lang="en-US" dirty="0"/>
+          </a:p>
+        </p:txBody>
+      </p:sp>
+      <p:sp>
+        <p:nvSpPr>
+          <p:cNvPr id="10" name="Text Placeholder 9"/>
+          <p:cNvSpPr>
+            <a:spLocks noGrp="1"/>
+          </p:cNvSpPr>
+          <p:nvPr>
+            <p:ph type="body" sz="quarter" idx="13"/>
+          </p:nvPr>
+        </p:nvSpPr>
+        <p:spPr>
+          <a:xfrm>
+            <a:off x="988671" y="3352800"/>
+            <a:ext cx="6876133" cy="381000"/>
+          </a:xfrm>
+        </p:spPr>
+        <p:txBody>
+          <a:bodyPr anchor="ctr">
+            <a:normAutofit/>
+          </a:bodyPr>
+          <a:lstStyle>
+            <a:lvl1pPr marL="0" indent="0">
+              <a:buFontTx/>
+              <a:buNone/>
+              <a:defRPr sz="1600"/>
+            </a:lvl1pPr>
+            <a:lvl2pPr marL="457200" indent="0">
+              <a:buFontTx/>
+              <a:buNone/>
+              <a:defRPr/>
+            </a:lvl2pPr>
+            <a:lvl3pPr marL="914400" indent="0">
+              <a:buFontTx/>
+              <a:buNone/>
+              <a:defRPr/>
+            </a:lvl3pPr>
+            <a:lvl4pPr marL="1371600" indent="0">
+              <a:buFontTx/>
+              <a:buNone/>
+              <a:defRPr/>
+            </a:lvl4pPr>
+            <a:lvl5pPr marL="1828800" indent="0">
+              <a:buFontTx/>
+              <a:buNone/>
+              <a:defRPr/>
+            </a:lvl5pPr>
+          </a:lstStyle>
+          <a:p>
+            <a:pPr lvl="0"/>
+            <a:r>
+              <a:rPr lang="en-US" smtClean="0"/>
+              <a:t>Edit Master text styles</a:t>
+            </a:r>
+          </a:p>
+        </p:txBody>
+      </p:sp>
+      <p:sp>
+        <p:nvSpPr>
+          <p:cNvPr id="3" name="Text Placeholder 2"/>
+          <p:cNvSpPr>
+            <a:spLocks noGrp="1"/>
+          </p:cNvSpPr>
+          <p:nvPr>
+            <p:ph type="body" idx="1"/>
+          </p:nvPr>
+        </p:nvSpPr>
+        <p:spPr>
+          <a:xfrm>
+            <a:off x="462266" y="4343400"/>
+            <a:ext cx="7772400" cy="1447800"/>
+          </a:xfrm>
+        </p:spPr>
+        <p:txBody>
+          <a:bodyPr anchor="ctr">
+            <a:normAutofit/>
+          </a:bodyPr>
+          <a:lstStyle>
+            <a:lvl1pPr marL="0" indent="0" algn="l">
+              <a:buNone/>
+              <a:defRPr sz="2000">
+                <a:solidFill>
+                  <a:schemeClr val="tx1"/>
+                </a:solidFill>
+              </a:defRPr>
+            </a:lvl1pPr>
+            <a:lvl2pPr marL="457200" indent="0">
+              <a:buNone/>
+              <a:defRPr sz="1800">
+                <a:solidFill>
+                  <a:schemeClr val="tx1">
+                    <a:tint val="75000"/>
+                  </a:schemeClr>
+                </a:solidFill>
+              </a:defRPr>
+            </a:lvl2pPr>
+            <a:lvl3pPr marL="914400" indent="0">
+              <a:buNone/>
+              <a:defRPr sz="1600">
+                <a:solidFill>
+                  <a:schemeClr val="tx1">
+                    <a:tint val="75000"/>
+                  </a:schemeClr>
+                </a:solidFill>
+              </a:defRPr>
+            </a:lvl3pPr>
+            <a:lvl4pPr marL="1371600" indent="0">
+              <a:buNone/>
+              <a:defRPr sz="1400">
+                <a:solidFill>
+                  <a:schemeClr val="tx1">
+                    <a:tint val="75000"/>
+                  </a:schemeClr>
+                </a:solidFill>
+              </a:defRPr>
+            </a:lvl4pPr>
+            <a:lvl5pPr marL="1828800" indent="0">
+              <a:buNone/>
+              <a:defRPr sz="1400">
+                <a:solidFill>
+                  <a:schemeClr val="tx1">
+                    <a:tint val="75000"/>
+                  </a:schemeClr>
+                </a:solidFill>
+              </a:defRPr>
+            </a:lvl5pPr>
+            <a:lvl6pPr marL="2286000" indent="0">
+              <a:buNone/>
+              <a:defRPr sz="1400">
+                <a:solidFill>
+                  <a:schemeClr val="tx1">
+                    <a:tint val="75000"/>
+                  </a:schemeClr>
+                </a:solidFill>
+              </a:defRPr>
+            </a:lvl6pPr>
+            <a:lvl7pPr marL="2743200" indent="0">
+              <a:buNone/>
+              <a:defRPr sz="1400">
+                <a:solidFill>
+                  <a:schemeClr val="tx1">
+                    <a:tint val="75000"/>
+                  </a:schemeClr>
+                </a:solidFill>
+              </a:defRPr>
+            </a:lvl7pPr>
+            <a:lvl8pPr marL="3200400" indent="0">
+              <a:buNone/>
+              <a:defRPr sz="1400">
+                <a:solidFill>
+                  <a:schemeClr val="tx1">
+                    <a:tint val="75000"/>
+                  </a:schemeClr>
+                </a:solidFill>
+              </a:defRPr>
+            </a:lvl8pPr>
+            <a:lvl9pPr marL="3657600" indent="0">
+              <a:buNone/>
+              <a:defRPr sz="1400">
+                <a:solidFill>
+                  <a:schemeClr val="tx1">
+                    <a:tint val="75000"/>
+                  </a:schemeClr>
+                </a:solidFill>
+              </a:defRPr>
+            </a:lvl9pPr>
+          </a:lstStyle>
+          <a:p>
+            <a:pPr lvl="0"/>
+            <a:r>
+              <a:rPr lang="en-US" smtClean="0"/>
+              <a:t>Edit Master text styles</a:t>
+            </a:r>
+          </a:p>
+        </p:txBody>
+      </p:sp>
+      <p:sp>
+        <p:nvSpPr>
+          <p:cNvPr id="4" name="Date Placeholder 3"/>
+          <p:cNvSpPr>
+            <a:spLocks noGrp="1"/>
+          </p:cNvSpPr>
+          <p:nvPr>
+            <p:ph type="dt" sz="half" idx="10"/>
+          </p:nvPr>
+        </p:nvSpPr>
+        <p:spPr/>
+        <p:txBody>
+          <a:bodyPr/>
+          <a:lstStyle/>
+          <a:p>
+            <a:fld id="{098AA2DD-3A48-4BBA-A45A-3CB8AAA407A1}" type="datetimeFigureOut">
+              <a:rPr lang="en-CA" smtClean="0"/>
+              <a:t>2015-10-31</a:t>
+            </a:fld>
+            <a:endParaRPr lang="en-CA"/>
+          </a:p>
+        </p:txBody>
+      </p:sp>
+      <p:sp>
+        <p:nvSpPr>
+          <p:cNvPr id="5" name="Footer Placeholder 4"/>
+          <p:cNvSpPr>
+            <a:spLocks noGrp="1"/>
+          </p:cNvSpPr>
+          <p:nvPr>
+            <p:ph type="ftr" sz="quarter" idx="11"/>
+          </p:nvPr>
+        </p:nvSpPr>
+        <p:spPr/>
+        <p:txBody>
+          <a:bodyPr/>
+          <a:lstStyle/>
+          <a:p>
+            <a:endParaRPr lang="en-CA"/>
+          </a:p>
+        </p:txBody>
+      </p:sp>
+      <p:sp>
+        <p:nvSpPr>
+          <p:cNvPr id="6" name="Slide Number Placeholder 5"/>
+          <p:cNvSpPr>
+            <a:spLocks noGrp="1"/>
+          </p:cNvSpPr>
+          <p:nvPr>
+            <p:ph type="sldNum" sz="quarter" idx="12"/>
+          </p:nvPr>
+        </p:nvSpPr>
+        <p:spPr/>
+        <p:txBody>
+          <a:bodyPr/>
+          <a:lstStyle/>
+          <a:p>
+            <a:fld id="{799C70E3-AC70-4D36-BFD1-8A51B9183344}" type="slidenum">
+              <a:rPr lang="en-CA" smtClean="0"/>
+              <a:t>‹#›</a:t>
+            </a:fld>
+            <a:endParaRPr lang="en-CA"/>
+          </a:p>
+        </p:txBody>
+      </p:sp>
+    </p:spTree>
+    <p:extLst>
+      <p:ext uri="{BB962C8B-B14F-4D97-AF65-F5344CB8AC3E}">
+        <p14:creationId xmlns:p14="http://schemas.microsoft.com/office/powerpoint/2010/main" val="3163863223"/>
+      </p:ext>
+    </p:extLst>
+  </p:cSld>
+  <p:clrMapOvr>
+    <a:masterClrMapping/>
+  </p:clrMapOvr>
+</p:sldLayout>
+</file>
+
+<file path=ppt/slideLayouts/slideLayout13.xml><?xml version="1.0" encoding="utf-8"?>
+<p:sldLayout xmlns:a="http://schemas.openxmlformats.org/drawingml/2006/main" xmlns:r="http://schemas.openxmlformats.org/officeDocument/2006/relationships" xmlns:p="http://schemas.openxmlformats.org/presentationml/2006/main" preserve="1">
+  <p:cSld name="Name Card">
+    <p:spTree>
+      <p:nvGrpSpPr>
+        <p:cNvPr id="1" name=""/>
+        <p:cNvGrpSpPr/>
+        <p:nvPr/>
+      </p:nvGrpSpPr>
+      <p:grpSpPr>
+        <a:xfrm>
+          <a:off x="0" y="0"/>
+          <a:ext cx="0" cy="0"/>
+          <a:chOff x="0" y="0"/>
+          <a:chExt cx="0" cy="0"/>
+        </a:xfrm>
+      </p:grpSpPr>
+      <p:pic>
+        <p:nvPicPr>
+          <p:cNvPr id="7" name="Picture 6" descr="Celestia-R1---OverlayContentSD.png"/>
+          <p:cNvPicPr>
+            <a:picLocks noChangeAspect="1"/>
+          </p:cNvPicPr>
+          <p:nvPr/>
+        </p:nvPicPr>
+        <p:blipFill>
+          <a:blip r:embed="rId2">
+            <a:extLst>
+              <a:ext uri="{28A0092B-C50C-407E-A947-70E740481C1C}">
+                <a14:useLocalDpi xmlns:a14="http://schemas.microsoft.com/office/drawing/2010/main" val="0"/>
+              </a:ext>
+            </a:extLst>
+          </a:blip>
+          <a:stretch>
+            <a:fillRect/>
+          </a:stretch>
+        </p:blipFill>
+        <p:spPr>
+          <a:xfrm>
+            <a:off x="13956" y="0"/>
+            <a:ext cx="9118600" cy="6858000"/>
+          </a:xfrm>
+          <a:prstGeom prst="rect">
+            <a:avLst/>
+          </a:prstGeom>
+        </p:spPr>
+      </p:pic>
+      <p:sp>
+        <p:nvSpPr>
+          <p:cNvPr id="2" name="Title 1"/>
+          <p:cNvSpPr>
+            <a:spLocks noGrp="1"/>
+          </p:cNvSpPr>
+          <p:nvPr>
+            <p:ph type="title"/>
+          </p:nvPr>
+        </p:nvSpPr>
+        <p:spPr>
+          <a:xfrm>
+            <a:off x="457201" y="3291648"/>
+            <a:ext cx="7772401" cy="1468800"/>
+          </a:xfrm>
+        </p:spPr>
+        <p:txBody>
+          <a:bodyPr anchor="b">
+            <a:normAutofit/>
+          </a:bodyPr>
+          <a:lstStyle>
+            <a:lvl1pPr algn="l">
+              <a:defRPr sz="2800" b="0" cap="none"/>
+            </a:lvl1pPr>
+          </a:lstStyle>
+          <a:p>
+            <a:r>
+              <a:rPr lang="en-US" smtClean="0"/>
+              <a:t>Click to edit Master title style</a:t>
+            </a:r>
+            <a:endParaRPr lang="en-US" dirty="0"/>
+          </a:p>
+        </p:txBody>
+      </p:sp>
+      <p:sp>
+        <p:nvSpPr>
+          <p:cNvPr id="3" name="Text Placeholder 2"/>
+          <p:cNvSpPr>
+            <a:spLocks noGrp="1"/>
+          </p:cNvSpPr>
+          <p:nvPr>
+            <p:ph type="body" idx="1"/>
+          </p:nvPr>
+        </p:nvSpPr>
+        <p:spPr>
+          <a:xfrm>
+            <a:off x="457200" y="4760448"/>
+            <a:ext cx="7772402" cy="860400"/>
+          </a:xfrm>
+        </p:spPr>
+        <p:txBody>
+          <a:bodyPr anchor="t">
+            <a:normAutofit/>
+          </a:bodyPr>
+          <a:lstStyle>
+            <a:lvl1pPr marL="0" indent="0" algn="l">
+              <a:buNone/>
+              <a:defRPr sz="1800">
+                <a:solidFill>
+                  <a:schemeClr val="tx1"/>
+                </a:solidFill>
+              </a:defRPr>
+            </a:lvl1pPr>
+            <a:lvl2pPr marL="457200" indent="0">
+              <a:buNone/>
+              <a:defRPr sz="1800">
+                <a:solidFill>
+                  <a:schemeClr val="tx1">
+                    <a:tint val="75000"/>
+                  </a:schemeClr>
+                </a:solidFill>
+              </a:defRPr>
+            </a:lvl2pPr>
+            <a:lvl3pPr marL="914400" indent="0">
+              <a:buNone/>
+              <a:defRPr sz="1600">
+                <a:solidFill>
+                  <a:schemeClr val="tx1">
+                    <a:tint val="75000"/>
+                  </a:schemeClr>
+                </a:solidFill>
+              </a:defRPr>
+            </a:lvl3pPr>
+            <a:lvl4pPr marL="1371600" indent="0">
+              <a:buNone/>
+              <a:defRPr sz="1400">
+                <a:solidFill>
+                  <a:schemeClr val="tx1">
+                    <a:tint val="75000"/>
+                  </a:schemeClr>
+                </a:solidFill>
+              </a:defRPr>
+            </a:lvl4pPr>
+            <a:lvl5pPr marL="1828800" indent="0">
+              <a:buNone/>
+              <a:defRPr sz="1400">
+                <a:solidFill>
+                  <a:schemeClr val="tx1">
+                    <a:tint val="75000"/>
+                  </a:schemeClr>
+                </a:solidFill>
+              </a:defRPr>
+            </a:lvl5pPr>
+            <a:lvl6pPr marL="2286000" indent="0">
+              <a:buNone/>
+              <a:defRPr sz="1400">
+                <a:solidFill>
+                  <a:schemeClr val="tx1">
+                    <a:tint val="75000"/>
+                  </a:schemeClr>
+                </a:solidFill>
+              </a:defRPr>
+            </a:lvl6pPr>
+            <a:lvl7pPr marL="2743200" indent="0">
+              <a:buNone/>
+              <a:defRPr sz="1400">
+                <a:solidFill>
+                  <a:schemeClr val="tx1">
+                    <a:tint val="75000"/>
+                  </a:schemeClr>
+                </a:solidFill>
+              </a:defRPr>
+            </a:lvl7pPr>
+            <a:lvl8pPr marL="3200400" indent="0">
+              <a:buNone/>
+              <a:defRPr sz="1400">
+                <a:solidFill>
+                  <a:schemeClr val="tx1">
+                    <a:tint val="75000"/>
+                  </a:schemeClr>
+                </a:solidFill>
+              </a:defRPr>
+            </a:lvl8pPr>
+            <a:lvl9pPr marL="3657600" indent="0">
+              <a:buNone/>
+              <a:defRPr sz="1400">
+                <a:solidFill>
+                  <a:schemeClr val="tx1">
+                    <a:tint val="75000"/>
+                  </a:schemeClr>
+                </a:solidFill>
+              </a:defRPr>
+            </a:lvl9pPr>
+          </a:lstStyle>
+          <a:p>
+            <a:pPr lvl="0"/>
+            <a:r>
+              <a:rPr lang="en-US" smtClean="0"/>
+              <a:t>Edit Master text styles</a:t>
+            </a:r>
+          </a:p>
+        </p:txBody>
+      </p:sp>
+      <p:sp>
+        <p:nvSpPr>
+          <p:cNvPr id="4" name="Date Placeholder 3"/>
+          <p:cNvSpPr>
+            <a:spLocks noGrp="1"/>
+          </p:cNvSpPr>
+          <p:nvPr>
+            <p:ph type="dt" sz="half" idx="10"/>
+          </p:nvPr>
+        </p:nvSpPr>
+        <p:spPr/>
+        <p:txBody>
+          <a:bodyPr/>
+          <a:lstStyle/>
+          <a:p>
+            <a:fld id="{098AA2DD-3A48-4BBA-A45A-3CB8AAA407A1}" type="datetimeFigureOut">
+              <a:rPr lang="en-CA" smtClean="0"/>
+              <a:t>2015-10-31</a:t>
+            </a:fld>
+            <a:endParaRPr lang="en-CA"/>
+          </a:p>
+        </p:txBody>
+      </p:sp>
+      <p:sp>
+        <p:nvSpPr>
+          <p:cNvPr id="5" name="Footer Placeholder 4"/>
+          <p:cNvSpPr>
+            <a:spLocks noGrp="1"/>
+          </p:cNvSpPr>
+          <p:nvPr>
+            <p:ph type="ftr" sz="quarter" idx="11"/>
+          </p:nvPr>
+        </p:nvSpPr>
+        <p:spPr/>
+        <p:txBody>
+          <a:bodyPr/>
+          <a:lstStyle/>
+          <a:p>
+            <a:endParaRPr lang="en-CA"/>
+          </a:p>
+        </p:txBody>
+      </p:sp>
+      <p:sp>
+        <p:nvSpPr>
+          <p:cNvPr id="6" name="Slide Number Placeholder 5"/>
+          <p:cNvSpPr>
+            <a:spLocks noGrp="1"/>
+          </p:cNvSpPr>
+          <p:nvPr>
+            <p:ph type="sldNum" sz="quarter" idx="12"/>
+          </p:nvPr>
+        </p:nvSpPr>
+        <p:spPr/>
+        <p:txBody>
+          <a:bodyPr/>
+          <a:lstStyle/>
+          <a:p>
+            <a:fld id="{799C70E3-AC70-4D36-BFD1-8A51B9183344}" type="slidenum">
+              <a:rPr lang="en-CA" smtClean="0"/>
+              <a:t>‹#›</a:t>
+            </a:fld>
+            <a:endParaRPr lang="en-CA"/>
+          </a:p>
+        </p:txBody>
+      </p:sp>
+    </p:spTree>
+    <p:extLst>
+      <p:ext uri="{BB962C8B-B14F-4D97-AF65-F5344CB8AC3E}">
+        <p14:creationId xmlns:p14="http://schemas.microsoft.com/office/powerpoint/2010/main" val="3944706995"/>
+      </p:ext>
+    </p:extLst>
+  </p:cSld>
+  <p:clrMapOvr>
+    <a:masterClrMapping/>
+  </p:clrMapOvr>
+</p:sldLayout>
+</file>
+
+<file path=ppt/slideLayouts/slideLayout14.xml><?xml version="1.0" encoding="utf-8"?>
+<p:sldLayout xmlns:a="http://schemas.openxmlformats.org/drawingml/2006/main" xmlns:r="http://schemas.openxmlformats.org/officeDocument/2006/relationships" xmlns:p="http://schemas.openxmlformats.org/presentationml/2006/main" preserve="1">
+  <p:cSld name="Quote Name Card">
+    <p:spTree>
+      <p:nvGrpSpPr>
+        <p:cNvPr id="1" name=""/>
+        <p:cNvGrpSpPr/>
+        <p:nvPr/>
+      </p:nvGrpSpPr>
+      <p:grpSpPr>
+        <a:xfrm>
+          <a:off x="0" y="0"/>
+          <a:ext cx="0" cy="0"/>
+          <a:chOff x="0" y="0"/>
+          <a:chExt cx="0" cy="0"/>
+        </a:xfrm>
+      </p:grpSpPr>
+      <p:pic>
+        <p:nvPicPr>
+          <p:cNvPr id="13" name="Picture 12" descr="Celestia-R1---OverlayContentSD.png"/>
+          <p:cNvPicPr>
+            <a:picLocks noChangeAspect="1"/>
+          </p:cNvPicPr>
+          <p:nvPr/>
+        </p:nvPicPr>
+        <p:blipFill>
+          <a:blip r:embed="rId2">
+            <a:extLst>
+              <a:ext uri="{28A0092B-C50C-407E-A947-70E740481C1C}">
+                <a14:useLocalDpi xmlns:a14="http://schemas.microsoft.com/office/drawing/2010/main" val="0"/>
+              </a:ext>
+            </a:extLst>
+          </a:blip>
+          <a:stretch>
+            <a:fillRect/>
+          </a:stretch>
+        </p:blipFill>
+        <p:spPr>
+          <a:xfrm>
+            <a:off x="13956" y="0"/>
+            <a:ext cx="9118600" cy="6858000"/>
+          </a:xfrm>
+          <a:prstGeom prst="rect">
+            <a:avLst/>
+          </a:prstGeom>
+        </p:spPr>
+      </p:pic>
+      <p:sp>
+        <p:nvSpPr>
+          <p:cNvPr id="11" name="TextBox 10"/>
+          <p:cNvSpPr txBox="1"/>
+          <p:nvPr/>
+        </p:nvSpPr>
+        <p:spPr>
+          <a:xfrm>
+            <a:off x="421796" y="718114"/>
+            <a:ext cx="457319" cy="584776"/>
+          </a:xfrm>
+          <a:prstGeom prst="rect">
+            <a:avLst/>
+          </a:prstGeom>
+        </p:spPr>
+        <p:txBody>
+          <a:bodyPr vert="horz" lIns="91440" tIns="45720" rIns="91440" bIns="45720" rtlCol="0" anchor="ctr">
+            <a:noAutofit/>
+          </a:bodyPr>
+          <a:lstStyle>
+            <a:lvl1pPr>
+              <a:spcBef>
+                <a:spcPct val="0"/>
+              </a:spcBef>
+              <a:buNone/>
+              <a:defRPr sz="3200" b="0" cap="all">
+                <a:ln w="3175" cmpd="sng">
+                  <a:noFill/>
+                </a:ln>
+                <a:effectLst>
+                  <a:glow rad="38100">
+                    <a:schemeClr val="bg1">
+                      <a:lumMod val="65000"/>
+                      <a:lumOff val="35000"/>
+                      <a:alpha val="40000"/>
+                    </a:schemeClr>
+                  </a:glow>
+                  <a:outerShdw blurRad="28575" dist="38100" dir="14040000" algn="tl" rotWithShape="0">
+                    <a:srgbClr val="000000">
+                      <a:alpha val="25000"/>
+                    </a:srgbClr>
+                  </a:outerShdw>
+                </a:effectLst>
+              </a:defRPr>
+            </a:lvl1pPr>
+            <a:lvl2pPr>
+              <a:defRPr>
+                <a:solidFill>
+                  <a:schemeClr val="tx2"/>
+                </a:solidFill>
+              </a:defRPr>
+            </a:lvl2pPr>
+            <a:lvl3pPr>
+              <a:defRPr>
+                <a:solidFill>
+                  <a:schemeClr val="tx2"/>
+                </a:solidFill>
+              </a:defRPr>
+            </a:lvl3pPr>
+            <a:lvl4pPr>
+              <a:defRPr>
+                <a:solidFill>
+                  <a:schemeClr val="tx2"/>
+                </a:solidFill>
+              </a:defRPr>
+            </a:lvl4pPr>
+            <a:lvl5pPr>
+              <a:defRPr>
+                <a:solidFill>
+                  <a:schemeClr val="tx2"/>
+                </a:solidFill>
+              </a:defRPr>
+            </a:lvl5pPr>
+            <a:lvl6pPr>
+              <a:defRPr>
+                <a:solidFill>
+                  <a:schemeClr val="tx2"/>
+                </a:solidFill>
+              </a:defRPr>
+            </a:lvl6pPr>
+            <a:lvl7pPr>
+              <a:defRPr>
+                <a:solidFill>
+                  <a:schemeClr val="tx2"/>
+                </a:solidFill>
+              </a:defRPr>
+            </a:lvl7pPr>
+            <a:lvl8pPr>
+              <a:defRPr>
+                <a:solidFill>
+                  <a:schemeClr val="tx2"/>
+                </a:solidFill>
+              </a:defRPr>
+            </a:lvl8pPr>
+            <a:lvl9pPr>
+              <a:defRPr>
+                <a:solidFill>
+                  <a:schemeClr val="tx2"/>
+                </a:solidFill>
+              </a:defRPr>
+            </a:lvl9pPr>
+          </a:lstStyle>
+          <a:p>
+            <a:pPr lvl="0"/>
+            <a:r>
+              <a:rPr lang="en-US" sz="8000" dirty="0">
+                <a:solidFill>
+                  <a:schemeClr val="tx1"/>
+                </a:solidFill>
+                <a:effectLst/>
+              </a:rPr>
+              <a:t>“</a:t>
+            </a:r>
+          </a:p>
+        </p:txBody>
+      </p:sp>
+      <p:sp>
+        <p:nvSpPr>
+          <p:cNvPr id="16" name="TextBox 15"/>
+          <p:cNvSpPr txBox="1"/>
+          <p:nvPr/>
+        </p:nvSpPr>
+        <p:spPr>
+          <a:xfrm>
+            <a:off x="7735800" y="2751671"/>
+            <a:ext cx="457319" cy="584776"/>
+          </a:xfrm>
+          <a:prstGeom prst="rect">
+            <a:avLst/>
+          </a:prstGeom>
+        </p:spPr>
+        <p:txBody>
+          <a:bodyPr vert="horz" lIns="91440" tIns="45720" rIns="91440" bIns="45720" rtlCol="0" anchor="ctr">
+            <a:noAutofit/>
+          </a:bodyPr>
+          <a:lstStyle>
+            <a:lvl1pPr>
+              <a:spcBef>
+                <a:spcPct val="0"/>
+              </a:spcBef>
+              <a:buNone/>
+              <a:defRPr sz="3200" b="0" cap="all">
+                <a:ln w="3175" cmpd="sng">
+                  <a:noFill/>
+                </a:ln>
+                <a:effectLst>
+                  <a:glow rad="38100">
+                    <a:schemeClr val="bg1">
+                      <a:lumMod val="65000"/>
+                      <a:lumOff val="35000"/>
+                      <a:alpha val="40000"/>
+                    </a:schemeClr>
+                  </a:glow>
+                  <a:outerShdw blurRad="28575" dist="38100" dir="14040000" algn="tl" rotWithShape="0">
+                    <a:srgbClr val="000000">
+                      <a:alpha val="25000"/>
+                    </a:srgbClr>
+                  </a:outerShdw>
+                </a:effectLst>
+              </a:defRPr>
+            </a:lvl1pPr>
+            <a:lvl2pPr>
+              <a:defRPr>
+                <a:solidFill>
+                  <a:schemeClr val="tx2"/>
+                </a:solidFill>
+              </a:defRPr>
+            </a:lvl2pPr>
+            <a:lvl3pPr>
+              <a:defRPr>
+                <a:solidFill>
+                  <a:schemeClr val="tx2"/>
+                </a:solidFill>
+              </a:defRPr>
+            </a:lvl3pPr>
+            <a:lvl4pPr>
+              <a:defRPr>
+                <a:solidFill>
+                  <a:schemeClr val="tx2"/>
+                </a:solidFill>
+              </a:defRPr>
+            </a:lvl4pPr>
+            <a:lvl5pPr>
+              <a:defRPr>
+                <a:solidFill>
+                  <a:schemeClr val="tx2"/>
+                </a:solidFill>
+              </a:defRPr>
+            </a:lvl5pPr>
+            <a:lvl6pPr>
+              <a:defRPr>
+                <a:solidFill>
+                  <a:schemeClr val="tx2"/>
+                </a:solidFill>
+              </a:defRPr>
+            </a:lvl6pPr>
+            <a:lvl7pPr>
+              <a:defRPr>
+                <a:solidFill>
+                  <a:schemeClr val="tx2"/>
+                </a:solidFill>
+              </a:defRPr>
+            </a:lvl7pPr>
+            <a:lvl8pPr>
+              <a:defRPr>
+                <a:solidFill>
+                  <a:schemeClr val="tx2"/>
+                </a:solidFill>
+              </a:defRPr>
+            </a:lvl8pPr>
+            <a:lvl9pPr>
+              <a:defRPr>
+                <a:solidFill>
+                  <a:schemeClr val="tx2"/>
+                </a:solidFill>
+              </a:defRPr>
+            </a:lvl9pPr>
+          </a:lstStyle>
+          <a:p>
+            <a:pPr lvl="0" algn="r"/>
+            <a:r>
+              <a:rPr lang="en-US" sz="8000" dirty="0">
+                <a:solidFill>
+                  <a:schemeClr val="tx1"/>
+                </a:solidFill>
+                <a:effectLst/>
+              </a:rPr>
+              <a:t>”</a:t>
+            </a:r>
+          </a:p>
+        </p:txBody>
+      </p:sp>
+      <p:sp>
+        <p:nvSpPr>
+          <p:cNvPr id="2" name="Title 1"/>
+          <p:cNvSpPr>
+            <a:spLocks noGrp="1"/>
+          </p:cNvSpPr>
+          <p:nvPr>
+            <p:ph type="title"/>
+          </p:nvPr>
+        </p:nvSpPr>
+        <p:spPr>
+          <a:xfrm>
+            <a:off x="879115" y="609602"/>
+            <a:ext cx="7091297" cy="2743199"/>
+          </a:xfrm>
+        </p:spPr>
+        <p:txBody>
+          <a:bodyPr anchor="ctr">
+            <a:normAutofit/>
+          </a:bodyPr>
+          <a:lstStyle>
+            <a:lvl1pPr algn="l">
+              <a:defRPr sz="3200" b="0" cap="none">
+                <a:solidFill>
+                  <a:schemeClr val="tx1"/>
+                </a:solidFill>
+              </a:defRPr>
+            </a:lvl1pPr>
+          </a:lstStyle>
+          <a:p>
+            <a:r>
+              <a:rPr lang="en-US" smtClean="0"/>
+              <a:t>Click to edit Master title style</a:t>
+            </a:r>
+            <a:endParaRPr lang="en-US" dirty="0"/>
+          </a:p>
+        </p:txBody>
+      </p:sp>
+      <p:sp>
+        <p:nvSpPr>
+          <p:cNvPr id="10" name="Text Placeholder 9"/>
+          <p:cNvSpPr>
+            <a:spLocks noGrp="1"/>
+          </p:cNvSpPr>
+          <p:nvPr>
+            <p:ph type="body" sz="quarter" idx="13"/>
+          </p:nvPr>
+        </p:nvSpPr>
+        <p:spPr>
+          <a:xfrm>
+            <a:off x="457200" y="3886200"/>
+            <a:ext cx="7772401" cy="889000"/>
+          </a:xfrm>
+        </p:spPr>
+        <p:txBody>
+          <a:bodyPr vert="horz" lIns="91440" tIns="45720" rIns="91440" bIns="45720" rtlCol="0" anchor="b">
+            <a:normAutofit/>
+          </a:bodyPr>
+          <a:lstStyle>
+            <a:lvl1pPr>
+              <a:buNone/>
+              <a:defRPr lang="en-US" sz="2000" b="0" cap="none" dirty="0">
+                <a:ln w="3175" cmpd="sng">
+                  <a:noFill/>
+                </a:ln>
+                <a:solidFill>
+                  <a:schemeClr val="tx1"/>
+                </a:solidFill>
+                <a:effectLst/>
+              </a:defRPr>
+            </a:lvl1pPr>
+          </a:lstStyle>
+          <a:p>
+            <a:pPr marL="0" lvl="0">
+              <a:spcBef>
+                <a:spcPct val="0"/>
+              </a:spcBef>
+              <a:buNone/>
+            </a:pPr>
+            <a:r>
+              <a:rPr lang="en-US" smtClean="0"/>
+              <a:t>Edit Master text styles</a:t>
+            </a:r>
+          </a:p>
+        </p:txBody>
+      </p:sp>
+      <p:sp>
+        <p:nvSpPr>
+          <p:cNvPr id="3" name="Text Placeholder 2"/>
+          <p:cNvSpPr>
+            <a:spLocks noGrp="1"/>
+          </p:cNvSpPr>
+          <p:nvPr>
+            <p:ph type="body" idx="1"/>
+          </p:nvPr>
+        </p:nvSpPr>
+        <p:spPr>
+          <a:xfrm>
+            <a:off x="457200" y="4775200"/>
+            <a:ext cx="7772401" cy="1016000"/>
+          </a:xfrm>
+        </p:spPr>
+        <p:txBody>
+          <a:bodyPr anchor="t">
+            <a:normAutofit/>
+          </a:bodyPr>
+          <a:lstStyle>
+            <a:lvl1pPr marL="0" indent="0" algn="l">
+              <a:buNone/>
+              <a:defRPr sz="1600">
+                <a:solidFill>
+                  <a:schemeClr val="tx1"/>
+                </a:solidFill>
+              </a:defRPr>
+            </a:lvl1pPr>
+            <a:lvl2pPr marL="457200" indent="0">
+              <a:buNone/>
+              <a:defRPr sz="1600">
+                <a:solidFill>
+                  <a:schemeClr val="tx1">
+                    <a:tint val="75000"/>
+                  </a:schemeClr>
+                </a:solidFill>
+              </a:defRPr>
+            </a:lvl2pPr>
+            <a:lvl3pPr marL="914400" indent="0">
+              <a:buNone/>
+              <a:defRPr sz="1600">
+                <a:solidFill>
+                  <a:schemeClr val="tx1">
+                    <a:tint val="75000"/>
+                  </a:schemeClr>
+                </a:solidFill>
+              </a:defRPr>
+            </a:lvl3pPr>
+            <a:lvl4pPr marL="1371600" indent="0">
+              <a:buNone/>
+              <a:defRPr sz="1400">
+                <a:solidFill>
+                  <a:schemeClr val="tx1">
+                    <a:tint val="75000"/>
+                  </a:schemeClr>
+                </a:solidFill>
+              </a:defRPr>
+            </a:lvl4pPr>
+            <a:lvl5pPr marL="1828800" indent="0">
+              <a:buNone/>
+              <a:defRPr sz="1400">
+                <a:solidFill>
+                  <a:schemeClr val="tx1">
+                    <a:tint val="75000"/>
+                  </a:schemeClr>
+                </a:solidFill>
+              </a:defRPr>
+            </a:lvl5pPr>
+            <a:lvl6pPr marL="2286000" indent="0">
+              <a:buNone/>
+              <a:defRPr sz="1400">
+                <a:solidFill>
+                  <a:schemeClr val="tx1">
+                    <a:tint val="75000"/>
+                  </a:schemeClr>
+                </a:solidFill>
+              </a:defRPr>
+            </a:lvl6pPr>
+            <a:lvl7pPr marL="2743200" indent="0">
+              <a:buNone/>
+              <a:defRPr sz="1400">
+                <a:solidFill>
+                  <a:schemeClr val="tx1">
+                    <a:tint val="75000"/>
+                  </a:schemeClr>
+                </a:solidFill>
+              </a:defRPr>
+            </a:lvl7pPr>
+            <a:lvl8pPr marL="3200400" indent="0">
+              <a:buNone/>
+              <a:defRPr sz="1400">
+                <a:solidFill>
+                  <a:schemeClr val="tx1">
+                    <a:tint val="75000"/>
+                  </a:schemeClr>
+                </a:solidFill>
+              </a:defRPr>
+            </a:lvl8pPr>
+            <a:lvl9pPr marL="3657600" indent="0">
+              <a:buNone/>
+              <a:defRPr sz="1400">
+                <a:solidFill>
+                  <a:schemeClr val="tx1">
+                    <a:tint val="75000"/>
+                  </a:schemeClr>
+                </a:solidFill>
+              </a:defRPr>
+            </a:lvl9pPr>
+          </a:lstStyle>
+          <a:p>
+            <a:pPr lvl="0"/>
+            <a:r>
+              <a:rPr lang="en-US" smtClean="0"/>
+              <a:t>Edit Master text styles</a:t>
+            </a:r>
+          </a:p>
+        </p:txBody>
+      </p:sp>
+      <p:sp>
+        <p:nvSpPr>
+          <p:cNvPr id="4" name="Date Placeholder 3"/>
+          <p:cNvSpPr>
+            <a:spLocks noGrp="1"/>
+          </p:cNvSpPr>
+          <p:nvPr>
+            <p:ph type="dt" sz="half" idx="10"/>
+          </p:nvPr>
+        </p:nvSpPr>
+        <p:spPr/>
+        <p:txBody>
+          <a:bodyPr/>
+          <a:lstStyle/>
+          <a:p>
+            <a:fld id="{098AA2DD-3A48-4BBA-A45A-3CB8AAA407A1}" type="datetimeFigureOut">
+              <a:rPr lang="en-CA" smtClean="0"/>
+              <a:t>2015-10-31</a:t>
+            </a:fld>
+            <a:endParaRPr lang="en-CA"/>
+          </a:p>
+        </p:txBody>
+      </p:sp>
+      <p:sp>
+        <p:nvSpPr>
+          <p:cNvPr id="5" name="Footer Placeholder 4"/>
+          <p:cNvSpPr>
+            <a:spLocks noGrp="1"/>
+          </p:cNvSpPr>
+          <p:nvPr>
+            <p:ph type="ftr" sz="quarter" idx="11"/>
+          </p:nvPr>
+        </p:nvSpPr>
+        <p:spPr/>
+        <p:txBody>
+          <a:bodyPr/>
+          <a:lstStyle/>
+          <a:p>
+            <a:endParaRPr lang="en-CA"/>
+          </a:p>
+        </p:txBody>
+      </p:sp>
+      <p:sp>
+        <p:nvSpPr>
+          <p:cNvPr id="6" name="Slide Number Placeholder 5"/>
+          <p:cNvSpPr>
+            <a:spLocks noGrp="1"/>
+          </p:cNvSpPr>
+          <p:nvPr>
+            <p:ph type="sldNum" sz="quarter" idx="12"/>
+          </p:nvPr>
+        </p:nvSpPr>
+        <p:spPr/>
+        <p:txBody>
+          <a:bodyPr/>
+          <a:lstStyle/>
+          <a:p>
+            <a:fld id="{799C70E3-AC70-4D36-BFD1-8A51B9183344}" type="slidenum">
+              <a:rPr lang="en-CA" smtClean="0"/>
+              <a:t>‹#›</a:t>
+            </a:fld>
+            <a:endParaRPr lang="en-CA"/>
+          </a:p>
+        </p:txBody>
+      </p:sp>
+    </p:spTree>
+    <p:extLst>
+      <p:ext uri="{BB962C8B-B14F-4D97-AF65-F5344CB8AC3E}">
+        <p14:creationId xmlns:p14="http://schemas.microsoft.com/office/powerpoint/2010/main" val="2929555047"/>
+      </p:ext>
+    </p:extLst>
+  </p:cSld>
+  <p:clrMapOvr>
+    <a:masterClrMapping/>
+  </p:clrMapOvr>
+</p:sldLayout>
+</file>
+
+<file path=ppt/slideLayouts/slideLayout15.xml><?xml version="1.0" encoding="utf-8"?>
+<p:sldLayout xmlns:a="http://schemas.openxmlformats.org/drawingml/2006/main" xmlns:r="http://schemas.openxmlformats.org/officeDocument/2006/relationships" xmlns:p="http://schemas.openxmlformats.org/presentationml/2006/main" preserve="1">
+  <p:cSld name="True or False">
+    <p:spTree>
+      <p:nvGrpSpPr>
+        <p:cNvPr id="1" name=""/>
+        <p:cNvGrpSpPr/>
+        <p:nvPr/>
+      </p:nvGrpSpPr>
+      <p:grpSpPr>
+        <a:xfrm>
+          <a:off x="0" y="0"/>
+          <a:ext cx="0" cy="0"/>
+          <a:chOff x="0" y="0"/>
+          <a:chExt cx="0" cy="0"/>
+        </a:xfrm>
+      </p:grpSpPr>
+      <p:pic>
+        <p:nvPicPr>
+          <p:cNvPr id="8" name="Picture 7" descr="Celestia-R1---OverlayContentSD.png"/>
+          <p:cNvPicPr>
+            <a:picLocks noChangeAspect="1"/>
+          </p:cNvPicPr>
+          <p:nvPr/>
+        </p:nvPicPr>
+        <p:blipFill>
+          <a:blip r:embed="rId2">
+            <a:extLst>
+              <a:ext uri="{28A0092B-C50C-407E-A947-70E740481C1C}">
+                <a14:useLocalDpi xmlns:a14="http://schemas.microsoft.com/office/drawing/2010/main" val="0"/>
+              </a:ext>
+            </a:extLst>
+          </a:blip>
+          <a:stretch>
+            <a:fillRect/>
+          </a:stretch>
+        </p:blipFill>
+        <p:spPr>
+          <a:xfrm>
+            <a:off x="13956" y="0"/>
+            <a:ext cx="9118600" cy="6858000"/>
+          </a:xfrm>
+          <a:prstGeom prst="rect">
+            <a:avLst/>
+          </a:prstGeom>
+        </p:spPr>
+      </p:pic>
+      <p:sp>
+        <p:nvSpPr>
+          <p:cNvPr id="2" name="Title 1"/>
+          <p:cNvSpPr>
+            <a:spLocks noGrp="1"/>
+          </p:cNvSpPr>
+          <p:nvPr>
+            <p:ph type="title"/>
+          </p:nvPr>
+        </p:nvSpPr>
+        <p:spPr>
+          <a:xfrm>
+            <a:off x="464440" y="609602"/>
+            <a:ext cx="7772401" cy="2743199"/>
+          </a:xfrm>
+        </p:spPr>
+        <p:txBody>
+          <a:bodyPr vert="horz" lIns="91440" tIns="45720" rIns="91440" bIns="45720" rtlCol="0" anchor="ctr">
+            <a:normAutofit/>
+          </a:bodyPr>
+          <a:lstStyle>
+            <a:lvl1pPr>
+              <a:defRPr lang="en-US" sz="2800" b="0" dirty="0"/>
+            </a:lvl1pPr>
+          </a:lstStyle>
+          <a:p>
+            <a:pPr marL="0" lvl="0"/>
+            <a:r>
+              <a:rPr lang="en-US" smtClean="0"/>
+              <a:t>Click to edit Master title style</a:t>
+            </a:r>
+            <a:endParaRPr lang="en-US" dirty="0"/>
+          </a:p>
+        </p:txBody>
+      </p:sp>
+      <p:sp>
+        <p:nvSpPr>
+          <p:cNvPr id="10" name="Text Placeholder 9"/>
+          <p:cNvSpPr>
+            <a:spLocks noGrp="1"/>
+          </p:cNvSpPr>
+          <p:nvPr>
+            <p:ph type="body" sz="quarter" idx="13"/>
+          </p:nvPr>
+        </p:nvSpPr>
+        <p:spPr>
+          <a:xfrm>
+            <a:off x="464440" y="3505200"/>
+            <a:ext cx="7772401" cy="838200"/>
+          </a:xfrm>
+        </p:spPr>
+        <p:txBody>
+          <a:bodyPr vert="horz" lIns="91440" tIns="45720" rIns="91440" bIns="45720" rtlCol="0" anchor="b">
+            <a:normAutofit/>
+          </a:bodyPr>
+          <a:lstStyle>
+            <a:lvl1pPr>
+              <a:buNone/>
+              <a:defRPr lang="en-US" sz="2000" b="0" cap="none" dirty="0">
+                <a:ln w="3175" cmpd="sng">
+                  <a:noFill/>
+                </a:ln>
+                <a:solidFill>
+                  <a:schemeClr val="tx1"/>
+                </a:solidFill>
+                <a:effectLst/>
+              </a:defRPr>
+            </a:lvl1pPr>
+          </a:lstStyle>
+          <a:p>
+            <a:pPr marL="0" lvl="0">
+              <a:spcBef>
+                <a:spcPct val="0"/>
+              </a:spcBef>
+              <a:buNone/>
+            </a:pPr>
+            <a:r>
+              <a:rPr lang="en-US" smtClean="0"/>
+              <a:t>Edit Master text styles</a:t>
+            </a:r>
+          </a:p>
+        </p:txBody>
+      </p:sp>
+      <p:sp>
+        <p:nvSpPr>
+          <p:cNvPr id="3" name="Text Placeholder 2"/>
+          <p:cNvSpPr>
+            <a:spLocks noGrp="1"/>
+          </p:cNvSpPr>
+          <p:nvPr>
+            <p:ph type="body" idx="1"/>
+          </p:nvPr>
+        </p:nvSpPr>
+        <p:spPr>
+          <a:xfrm>
+            <a:off x="464439" y="4343400"/>
+            <a:ext cx="7772401" cy="1447800"/>
+          </a:xfrm>
+        </p:spPr>
+        <p:txBody>
+          <a:bodyPr anchor="t">
+            <a:normAutofit/>
+          </a:bodyPr>
+          <a:lstStyle>
+            <a:lvl1pPr marL="0" indent="0" algn="l">
+              <a:buNone/>
+              <a:defRPr sz="1600">
+                <a:solidFill>
+                  <a:schemeClr val="tx1"/>
+                </a:solidFill>
+              </a:defRPr>
+            </a:lvl1pPr>
+            <a:lvl2pPr marL="457200" indent="0">
+              <a:buNone/>
+              <a:defRPr sz="1600">
+                <a:solidFill>
+                  <a:schemeClr val="tx1">
+                    <a:tint val="75000"/>
+                  </a:schemeClr>
+                </a:solidFill>
+              </a:defRPr>
+            </a:lvl2pPr>
+            <a:lvl3pPr marL="914400" indent="0">
+              <a:buNone/>
+              <a:defRPr sz="1600">
+                <a:solidFill>
+                  <a:schemeClr val="tx1">
+                    <a:tint val="75000"/>
+                  </a:schemeClr>
+                </a:solidFill>
+              </a:defRPr>
+            </a:lvl3pPr>
+            <a:lvl4pPr marL="1371600" indent="0">
+              <a:buNone/>
+              <a:defRPr sz="1400">
+                <a:solidFill>
+                  <a:schemeClr val="tx1">
+                    <a:tint val="75000"/>
+                  </a:schemeClr>
+                </a:solidFill>
+              </a:defRPr>
+            </a:lvl4pPr>
+            <a:lvl5pPr marL="1828800" indent="0">
+              <a:buNone/>
+              <a:defRPr sz="1400">
+                <a:solidFill>
+                  <a:schemeClr val="tx1">
+                    <a:tint val="75000"/>
+                  </a:schemeClr>
+                </a:solidFill>
+              </a:defRPr>
+            </a:lvl5pPr>
+            <a:lvl6pPr marL="2286000" indent="0">
+              <a:buNone/>
+              <a:defRPr sz="1400">
+                <a:solidFill>
+                  <a:schemeClr val="tx1">
+                    <a:tint val="75000"/>
+                  </a:schemeClr>
+                </a:solidFill>
+              </a:defRPr>
+            </a:lvl6pPr>
+            <a:lvl7pPr marL="2743200" indent="0">
+              <a:buNone/>
+              <a:defRPr sz="1400">
+                <a:solidFill>
+                  <a:schemeClr val="tx1">
+                    <a:tint val="75000"/>
+                  </a:schemeClr>
+                </a:solidFill>
+              </a:defRPr>
+            </a:lvl7pPr>
+            <a:lvl8pPr marL="3200400" indent="0">
+              <a:buNone/>
+              <a:defRPr sz="1400">
+                <a:solidFill>
+                  <a:schemeClr val="tx1">
+                    <a:tint val="75000"/>
+                  </a:schemeClr>
+                </a:solidFill>
+              </a:defRPr>
+            </a:lvl8pPr>
+            <a:lvl9pPr marL="3657600" indent="0">
+              <a:buNone/>
+              <a:defRPr sz="1400">
+                <a:solidFill>
+                  <a:schemeClr val="tx1">
+                    <a:tint val="75000"/>
+                  </a:schemeClr>
+                </a:solidFill>
+              </a:defRPr>
+            </a:lvl9pPr>
+          </a:lstStyle>
+          <a:p>
+            <a:pPr lvl="0"/>
+            <a:r>
+              <a:rPr lang="en-US" smtClean="0"/>
+              <a:t>Edit Master text styles</a:t>
+            </a:r>
+          </a:p>
+        </p:txBody>
+      </p:sp>
+      <p:sp>
+        <p:nvSpPr>
+          <p:cNvPr id="4" name="Date Placeholder 3"/>
+          <p:cNvSpPr>
+            <a:spLocks noGrp="1"/>
+          </p:cNvSpPr>
+          <p:nvPr>
+            <p:ph type="dt" sz="half" idx="10"/>
+          </p:nvPr>
+        </p:nvSpPr>
+        <p:spPr/>
+        <p:txBody>
+          <a:bodyPr/>
+          <a:lstStyle/>
+          <a:p>
+            <a:fld id="{098AA2DD-3A48-4BBA-A45A-3CB8AAA407A1}" type="datetimeFigureOut">
+              <a:rPr lang="en-CA" smtClean="0"/>
+              <a:t>2015-10-31</a:t>
+            </a:fld>
+            <a:endParaRPr lang="en-CA"/>
+          </a:p>
+        </p:txBody>
+      </p:sp>
+      <p:sp>
+        <p:nvSpPr>
+          <p:cNvPr id="5" name="Footer Placeholder 4"/>
+          <p:cNvSpPr>
+            <a:spLocks noGrp="1"/>
+          </p:cNvSpPr>
+          <p:nvPr>
+            <p:ph type="ftr" sz="quarter" idx="11"/>
+          </p:nvPr>
+        </p:nvSpPr>
+        <p:spPr/>
+        <p:txBody>
+          <a:bodyPr/>
+          <a:lstStyle/>
+          <a:p>
+            <a:endParaRPr lang="en-CA"/>
+          </a:p>
+        </p:txBody>
+      </p:sp>
+      <p:sp>
+        <p:nvSpPr>
+          <p:cNvPr id="6" name="Slide Number Placeholder 5"/>
+          <p:cNvSpPr>
+            <a:spLocks noGrp="1"/>
+          </p:cNvSpPr>
+          <p:nvPr>
+            <p:ph type="sldNum" sz="quarter" idx="12"/>
+          </p:nvPr>
+        </p:nvSpPr>
+        <p:spPr/>
+        <p:txBody>
+          <a:bodyPr/>
+          <a:lstStyle/>
+          <a:p>
+            <a:fld id="{799C70E3-AC70-4D36-BFD1-8A51B9183344}" type="slidenum">
+              <a:rPr lang="en-CA" smtClean="0"/>
+              <a:t>‹#›</a:t>
+            </a:fld>
+            <a:endParaRPr lang="en-CA"/>
+          </a:p>
+        </p:txBody>
+      </p:sp>
+    </p:spTree>
+    <p:extLst>
+      <p:ext uri="{BB962C8B-B14F-4D97-AF65-F5344CB8AC3E}">
+        <p14:creationId xmlns:p14="http://schemas.microsoft.com/office/powerpoint/2010/main" val="2564058302"/>
+      </p:ext>
+    </p:extLst>
+  </p:cSld>
+  <p:clrMapOvr>
+    <a:masterClrMapping/>
+  </p:clrMapOvr>
+</p:sldLayout>
+</file>
+
+<file path=ppt/slideLayouts/slideLayout16.xml><?xml version="1.0" encoding="utf-8"?>
 <p:sldLayout xmlns:a="http://schemas.openxmlformats.org/drawingml/2006/main" xmlns:r="http://schemas.openxmlformats.org/officeDocument/2006/relationships" xmlns:p="http://schemas.openxmlformats.org/presentationml/2006/main" type="vertTx" preserve="1">
   <p:cSld name="Title and Vertical Text">
     <p:spTree>
@@ -319,9 +2736,39 @@
           <a:chExt cx="0" cy="0"/>
         </a:xfrm>
       </p:grpSpPr>
-      <p:sp>
-        <p:nvSpPr>
-          <p:cNvPr id="2" name="Title 1"/>
+      <p:pic>
+        <p:nvPicPr>
+          <p:cNvPr id="7" name="Picture 6" descr="Celestia-R1---OverlayContentSD.png"/>
+          <p:cNvPicPr>
+            <a:picLocks noChangeAspect="1"/>
+          </p:cNvPicPr>
+          <p:nvPr/>
+        </p:nvPicPr>
+        <p:blipFill>
+          <a:blip r:embed="rId2">
+            <a:extLst>
+              <a:ext uri="{28A0092B-C50C-407E-A947-70E740481C1C}">
+                <a14:useLocalDpi xmlns:a14="http://schemas.microsoft.com/office/drawing/2010/main" val="0"/>
+              </a:ext>
+            </a:extLst>
+          </a:blip>
+          <a:stretch>
+            <a:fillRect/>
+          </a:stretch>
+        </p:blipFill>
+        <p:spPr>
+          <a:xfrm>
+            <a:off x="13956" y="0"/>
+            <a:ext cx="9118600" cy="6858000"/>
+          </a:xfrm>
+          <a:prstGeom prst="rect">
+            <a:avLst/>
+          </a:prstGeom>
+        </p:spPr>
+      </p:pic>
+      <p:sp>
+        <p:nvSpPr>
+          <p:cNvPr id="8" name="Title 1"/>
           <p:cNvSpPr>
             <a:spLocks noGrp="1"/>
           </p:cNvSpPr>
@@ -329,32 +2776,43 @@
             <p:ph type="title"/>
           </p:nvPr>
         </p:nvSpPr>
+        <p:spPr>
+          <a:xfrm>
+            <a:off x="457200" y="609601"/>
+            <a:ext cx="7772400" cy="1456267"/>
+          </a:xfrm>
+        </p:spPr>
+        <p:txBody>
+          <a:bodyPr>
+            <a:normAutofit/>
+          </a:bodyPr>
+          <a:lstStyle>
+            <a:lvl1pPr>
+              <a:defRPr sz="2800"/>
+            </a:lvl1pPr>
+          </a:lstStyle>
+          <a:p>
+            <a:r>
+              <a:rPr lang="en-US" smtClean="0"/>
+              <a:t>Click to edit Master title style</a:t>
+            </a:r>
+            <a:endParaRPr lang="en-US" dirty="0"/>
+          </a:p>
+        </p:txBody>
+      </p:sp>
+      <p:sp>
+        <p:nvSpPr>
+          <p:cNvPr id="3" name="Vertical Text Placeholder 2"/>
+          <p:cNvSpPr>
+            <a:spLocks noGrp="1"/>
+          </p:cNvSpPr>
+          <p:nvPr>
+            <p:ph type="body" orient="vert" idx="1"/>
+          </p:nvPr>
+        </p:nvSpPr>
         <p:spPr/>
         <p:txBody>
-          <a:bodyPr/>
-          <a:lstStyle/>
-          <a:p>
-            <a:r>
-              <a:rPr lang="en-US" smtClean="0"/>
-              <a:t>Click to edit Master title style</a:t>
-            </a:r>
-            <a:endParaRPr lang="en-US" dirty="0"/>
-          </a:p>
-        </p:txBody>
-      </p:sp>
-      <p:sp>
-        <p:nvSpPr>
-          <p:cNvPr id="3" name="Vertical Text Placeholder 2"/>
-          <p:cNvSpPr>
-            <a:spLocks noGrp="1"/>
-          </p:cNvSpPr>
-          <p:nvPr>
-            <p:ph type="body" orient="vert" idx="1"/>
-          </p:nvPr>
-        </p:nvSpPr>
-        <p:spPr/>
-        <p:txBody>
-          <a:bodyPr vert="eaVert"/>
+          <a:bodyPr vert="eaVert" anchor="t"/>
           <a:lstStyle/>
           <a:p>
             <a:pPr lvl="0"/>
@@ -462,7 +2920,7 @@
     </p:spTree>
     <p:extLst>
       <p:ext uri="{BB962C8B-B14F-4D97-AF65-F5344CB8AC3E}">
-        <p14:creationId xmlns:p14="http://schemas.microsoft.com/office/powerpoint/2010/main" val="3273894784"/>
+        <p14:creationId xmlns:p14="http://schemas.microsoft.com/office/powerpoint/2010/main" val="3320850088"/>
       </p:ext>
     </p:extLst>
   </p:cSld>
@@ -472,7 +2930,7 @@
 </p:sldLayout>
 </file>
 
-<file path=ppt/slideLayouts/slideLayout11.xml><?xml version="1.0" encoding="utf-8"?>
+<file path=ppt/slideLayouts/slideLayout17.xml><?xml version="1.0" encoding="utf-8"?>
 <p:sldLayout xmlns:a="http://schemas.openxmlformats.org/drawingml/2006/main" xmlns:r="http://schemas.openxmlformats.org/officeDocument/2006/relationships" xmlns:p="http://schemas.openxmlformats.org/presentationml/2006/main" type="vertTitleAndTx" preserve="1">
   <p:cSld name="Vertical Title and Text">
     <p:spTree>
@@ -489,6 +2947,36 @@
           <a:chExt cx="0" cy="0"/>
         </a:xfrm>
       </p:grpSpPr>
+      <p:pic>
+        <p:nvPicPr>
+          <p:cNvPr id="7" name="Picture 6" descr="Celestia-R1---OverlayContentSD.png"/>
+          <p:cNvPicPr>
+            <a:picLocks noChangeAspect="1"/>
+          </p:cNvPicPr>
+          <p:nvPr/>
+        </p:nvPicPr>
+        <p:blipFill>
+          <a:blip r:embed="rId2">
+            <a:extLst>
+              <a:ext uri="{28A0092B-C50C-407E-A947-70E740481C1C}">
+                <a14:useLocalDpi xmlns:a14="http://schemas.microsoft.com/office/drawing/2010/main" val="0"/>
+              </a:ext>
+            </a:extLst>
+          </a:blip>
+          <a:stretch>
+            <a:fillRect/>
+          </a:stretch>
+        </p:blipFill>
+        <p:spPr>
+          <a:xfrm>
+            <a:off x="13956" y="0"/>
+            <a:ext cx="9118600" cy="6858000"/>
+          </a:xfrm>
+          <a:prstGeom prst="rect">
+            <a:avLst/>
+          </a:prstGeom>
+        </p:spPr>
+      </p:pic>
       <p:sp>
         <p:nvSpPr>
           <p:cNvPr id="2" name="Vertical Title 1"/>
@@ -501,13 +2989,19 @@
         </p:nvSpPr>
         <p:spPr>
           <a:xfrm>
-            <a:off x="6543675" y="365125"/>
-            <a:ext cx="1971675" cy="5811838"/>
-          </a:xfrm>
-        </p:spPr>
-        <p:txBody>
-          <a:bodyPr vert="eaVert"/>
-          <a:lstStyle/>
+            <a:off x="6552978" y="609600"/>
+            <a:ext cx="1676621" cy="5181601"/>
+          </a:xfrm>
+        </p:spPr>
+        <p:txBody>
+          <a:bodyPr vert="eaVert">
+            <a:normAutofit/>
+          </a:bodyPr>
+          <a:lstStyle>
+            <a:lvl1pPr>
+              <a:defRPr sz="2800"/>
+            </a:lvl1pPr>
+          </a:lstStyle>
           <a:p>
             <a:r>
               <a:rPr lang="en-US" smtClean="0"/>
@@ -529,12 +3023,12 @@
         </p:nvSpPr>
         <p:spPr>
           <a:xfrm>
-            <a:off x="628650" y="365125"/>
-            <a:ext cx="5800725" cy="5811838"/>
-          </a:xfrm>
-        </p:spPr>
-        <p:txBody>
-          <a:bodyPr vert="eaVert"/>
+            <a:off x="457200" y="609600"/>
+            <a:ext cx="5990184" cy="5181600"/>
+          </a:xfrm>
+        </p:spPr>
+        <p:txBody>
+          <a:bodyPr vert="eaVert" anchor="t"/>
           <a:lstStyle/>
           <a:p>
             <a:pPr lvl="0"/>
@@ -642,7 +3136,7 @@
     </p:spTree>
     <p:extLst>
       <p:ext uri="{BB962C8B-B14F-4D97-AF65-F5344CB8AC3E}">
-        <p14:creationId xmlns:p14="http://schemas.microsoft.com/office/powerpoint/2010/main" val="1749208325"/>
+        <p14:creationId xmlns:p14="http://schemas.microsoft.com/office/powerpoint/2010/main" val="1228774075"/>
       </p:ext>
     </p:extLst>
   </p:cSld>
@@ -669,6 +3163,36 @@
           <a:chExt cx="0" cy="0"/>
         </a:xfrm>
       </p:grpSpPr>
+      <p:pic>
+        <p:nvPicPr>
+          <p:cNvPr id="8" name="Picture 7" descr="Celestia-R1---OverlayContentSD.png"/>
+          <p:cNvPicPr>
+            <a:picLocks noChangeAspect="1"/>
+          </p:cNvPicPr>
+          <p:nvPr/>
+        </p:nvPicPr>
+        <p:blipFill>
+          <a:blip r:embed="rId2">
+            <a:extLst>
+              <a:ext uri="{28A0092B-C50C-407E-A947-70E740481C1C}">
+                <a14:useLocalDpi xmlns:a14="http://schemas.microsoft.com/office/drawing/2010/main" val="0"/>
+              </a:ext>
+            </a:extLst>
+          </a:blip>
+          <a:stretch>
+            <a:fillRect/>
+          </a:stretch>
+        </p:blipFill>
+        <p:spPr>
+          <a:xfrm>
+            <a:off x="13956" y="0"/>
+            <a:ext cx="9118600" cy="6858000"/>
+          </a:xfrm>
+          <a:prstGeom prst="rect">
+            <a:avLst/>
+          </a:prstGeom>
+        </p:spPr>
+      </p:pic>
       <p:sp>
         <p:nvSpPr>
           <p:cNvPr id="2" name="Title 1"/>
@@ -681,8 +3205,14 @@
         </p:nvSpPr>
         <p:spPr/>
         <p:txBody>
-          <a:bodyPr/>
-          <a:lstStyle/>
+          <a:bodyPr>
+            <a:normAutofit/>
+          </a:bodyPr>
+          <a:lstStyle>
+            <a:lvl1pPr>
+              <a:defRPr sz="2800"/>
+            </a:lvl1pPr>
+          </a:lstStyle>
           <a:p>
             <a:r>
               <a:rPr lang="en-US" smtClean="0"/>
@@ -704,7 +3234,7 @@
         </p:nvSpPr>
         <p:spPr/>
         <p:txBody>
-          <a:bodyPr/>
+          <a:bodyPr anchor="ctr"/>
           <a:lstStyle/>
           <a:p>
             <a:pPr lvl="0"/>
@@ -812,7 +3342,7 @@
     </p:spTree>
     <p:extLst>
       <p:ext uri="{BB962C8B-B14F-4D97-AF65-F5344CB8AC3E}">
-        <p14:creationId xmlns:p14="http://schemas.microsoft.com/office/powerpoint/2010/main" val="1206486126"/>
+        <p14:creationId xmlns:p14="http://schemas.microsoft.com/office/powerpoint/2010/main" val="1902764916"/>
       </p:ext>
     </p:extLst>
   </p:cSld>
@@ -839,6 +3369,36 @@
           <a:chExt cx="0" cy="0"/>
         </a:xfrm>
       </p:grpSpPr>
+      <p:pic>
+        <p:nvPicPr>
+          <p:cNvPr id="8" name="Picture 7" descr="Celestia-R1---OverlayContentSD.png"/>
+          <p:cNvPicPr>
+            <a:picLocks noChangeAspect="1"/>
+          </p:cNvPicPr>
+          <p:nvPr/>
+        </p:nvPicPr>
+        <p:blipFill>
+          <a:blip r:embed="rId2">
+            <a:extLst>
+              <a:ext uri="{28A0092B-C50C-407E-A947-70E740481C1C}">
+                <a14:useLocalDpi xmlns:a14="http://schemas.microsoft.com/office/drawing/2010/main" val="0"/>
+              </a:ext>
+            </a:extLst>
+          </a:blip>
+          <a:stretch>
+            <a:fillRect/>
+          </a:stretch>
+        </p:blipFill>
+        <p:spPr>
+          <a:xfrm>
+            <a:off x="13956" y="0"/>
+            <a:ext cx="9118600" cy="6858000"/>
+          </a:xfrm>
+          <a:prstGeom prst="rect">
+            <a:avLst/>
+          </a:prstGeom>
+        </p:spPr>
+      </p:pic>
       <p:sp>
         <p:nvSpPr>
           <p:cNvPr id="2" name="Title 1"/>
@@ -851,15 +3411,17 @@
         </p:nvSpPr>
         <p:spPr>
           <a:xfrm>
-            <a:off x="623888" y="1709739"/>
-            <a:ext cx="7886700" cy="2852737"/>
-          </a:xfrm>
-        </p:spPr>
-        <p:txBody>
-          <a:bodyPr anchor="b"/>
+            <a:off x="457202" y="3308581"/>
+            <a:ext cx="7772400" cy="1468800"/>
+          </a:xfrm>
+        </p:spPr>
+        <p:txBody>
+          <a:bodyPr anchor="b">
+            <a:normAutofit/>
+          </a:bodyPr>
           <a:lstStyle>
-            <a:lvl1pPr>
-              <a:defRPr sz="6000"/>
+            <a:lvl1pPr algn="l">
+              <a:defRPr sz="3200" b="0" cap="all"/>
             </a:lvl1pPr>
           </a:lstStyle>
           <a:p>
@@ -883,16 +3445,18 @@
         </p:nvSpPr>
         <p:spPr>
           <a:xfrm>
-            <a:off x="623888" y="4589464"/>
-            <a:ext cx="7886700" cy="1500187"/>
-          </a:xfrm>
-        </p:spPr>
-        <p:txBody>
-          <a:bodyPr/>
+            <a:off x="457201" y="4777381"/>
+            <a:ext cx="7772400" cy="860400"/>
+          </a:xfrm>
+        </p:spPr>
+        <p:txBody>
+          <a:bodyPr anchor="t">
+            <a:normAutofit/>
+          </a:bodyPr>
           <a:lstStyle>
-            <a:lvl1pPr marL="0" indent="0">
-              <a:buNone/>
-              <a:defRPr sz="2400">
+            <a:lvl1pPr marL="0" indent="0" algn="l">
+              <a:buNone/>
+              <a:defRPr sz="1800" cap="all">
                 <a:solidFill>
                   <a:schemeClr val="tx1"/>
                 </a:solidFill>
@@ -900,7 +3464,7 @@
             </a:lvl1pPr>
             <a:lvl2pPr marL="457200" indent="0">
               <a:buNone/>
-              <a:defRPr sz="2000">
+              <a:defRPr sz="1800">
                 <a:solidFill>
                   <a:schemeClr val="tx1">
                     <a:tint val="75000"/>
@@ -910,7 +3474,7 @@
             </a:lvl2pPr>
             <a:lvl3pPr marL="914400" indent="0">
               <a:buNone/>
-              <a:defRPr sz="1800">
+              <a:defRPr sz="1600">
                 <a:solidFill>
                   <a:schemeClr val="tx1">
                     <a:tint val="75000"/>
@@ -920,7 +3484,7 @@
             </a:lvl3pPr>
             <a:lvl4pPr marL="1371600" indent="0">
               <a:buNone/>
-              <a:defRPr sz="1600">
+              <a:defRPr sz="1400">
                 <a:solidFill>
                   <a:schemeClr val="tx1">
                     <a:tint val="75000"/>
@@ -930,7 +3494,7 @@
             </a:lvl4pPr>
             <a:lvl5pPr marL="1828800" indent="0">
               <a:buNone/>
-              <a:defRPr sz="1600">
+              <a:defRPr sz="1400">
                 <a:solidFill>
                   <a:schemeClr val="tx1">
                     <a:tint val="75000"/>
@@ -940,7 +3504,7 @@
             </a:lvl5pPr>
             <a:lvl6pPr marL="2286000" indent="0">
               <a:buNone/>
-              <a:defRPr sz="1600">
+              <a:defRPr sz="1400">
                 <a:solidFill>
                   <a:schemeClr val="tx1">
                     <a:tint val="75000"/>
@@ -950,7 +3514,7 @@
             </a:lvl6pPr>
             <a:lvl7pPr marL="2743200" indent="0">
               <a:buNone/>
-              <a:defRPr sz="1600">
+              <a:defRPr sz="1400">
                 <a:solidFill>
                   <a:schemeClr val="tx1">
                     <a:tint val="75000"/>
@@ -960,7 +3524,7 @@
             </a:lvl7pPr>
             <a:lvl8pPr marL="3200400" indent="0">
               <a:buNone/>
-              <a:defRPr sz="1600">
+              <a:defRPr sz="1400">
                 <a:solidFill>
                   <a:schemeClr val="tx1">
                     <a:tint val="75000"/>
@@ -970,7 +3534,7 @@
             </a:lvl8pPr>
             <a:lvl9pPr marL="3657600" indent="0">
               <a:buNone/>
-              <a:defRPr sz="1600">
+              <a:defRPr sz="1400">
                 <a:solidFill>
                   <a:schemeClr val="tx1">
                     <a:tint val="75000"/>
@@ -1056,7 +3620,7 @@
     </p:spTree>
     <p:extLst>
       <p:ext uri="{BB962C8B-B14F-4D97-AF65-F5344CB8AC3E}">
-        <p14:creationId xmlns:p14="http://schemas.microsoft.com/office/powerpoint/2010/main" val="845694307"/>
+        <p14:creationId xmlns:p14="http://schemas.microsoft.com/office/powerpoint/2010/main" val="3451686875"/>
       </p:ext>
     </p:extLst>
   </p:cSld>
@@ -1083,6 +3647,36 @@
           <a:chExt cx="0" cy="0"/>
         </a:xfrm>
       </p:grpSpPr>
+      <p:pic>
+        <p:nvPicPr>
+          <p:cNvPr id="10" name="Picture 9" descr="Celestia-R1---OverlayContentSD.png"/>
+          <p:cNvPicPr>
+            <a:picLocks noChangeAspect="1"/>
+          </p:cNvPicPr>
+          <p:nvPr/>
+        </p:nvPicPr>
+        <p:blipFill>
+          <a:blip r:embed="rId2">
+            <a:extLst>
+              <a:ext uri="{28A0092B-C50C-407E-A947-70E740481C1C}">
+                <a14:useLocalDpi xmlns:a14="http://schemas.microsoft.com/office/drawing/2010/main" val="0"/>
+              </a:ext>
+            </a:extLst>
+          </a:blip>
+          <a:stretch>
+            <a:fillRect/>
+          </a:stretch>
+        </p:blipFill>
+        <p:spPr>
+          <a:xfrm>
+            <a:off x="13956" y="0"/>
+            <a:ext cx="9118600" cy="6858000"/>
+          </a:xfrm>
+          <a:prstGeom prst="rect">
+            <a:avLst/>
+          </a:prstGeom>
+        </p:spPr>
+      </p:pic>
       <p:sp>
         <p:nvSpPr>
           <p:cNvPr id="2" name="Title 1"/>
@@ -1118,12 +3712,14 @@
         </p:nvSpPr>
         <p:spPr>
           <a:xfrm>
-            <a:off x="628650" y="1825625"/>
-            <a:ext cx="3886200" cy="4351338"/>
-          </a:xfrm>
-        </p:spPr>
-        <p:txBody>
-          <a:bodyPr/>
+            <a:off x="457201" y="2142068"/>
+            <a:ext cx="3813048" cy="3649134"/>
+          </a:xfrm>
+        </p:spPr>
+        <p:txBody>
+          <a:bodyPr>
+            <a:normAutofit/>
+          </a:bodyPr>
           <a:lstStyle/>
           <a:p>
             <a:pPr lvl="0"/>
@@ -1175,12 +3771,14 @@
         </p:nvSpPr>
         <p:spPr>
           <a:xfrm>
-            <a:off x="4629150" y="1825625"/>
-            <a:ext cx="3886200" cy="4351338"/>
-          </a:xfrm>
-        </p:spPr>
-        <p:txBody>
-          <a:bodyPr/>
+            <a:off x="4416553" y="2142068"/>
+            <a:ext cx="3813048" cy="3649133"/>
+          </a:xfrm>
+        </p:spPr>
+        <p:txBody>
+          <a:bodyPr>
+            <a:normAutofit/>
+          </a:bodyPr>
           <a:lstStyle/>
           <a:p>
             <a:pPr lvl="0"/>
@@ -1288,7 +3886,7 @@
     </p:spTree>
     <p:extLst>
       <p:ext uri="{BB962C8B-B14F-4D97-AF65-F5344CB8AC3E}">
-        <p14:creationId xmlns:p14="http://schemas.microsoft.com/office/powerpoint/2010/main" val="1247323039"/>
+        <p14:creationId xmlns:p14="http://schemas.microsoft.com/office/powerpoint/2010/main" val="3408983024"/>
       </p:ext>
     </p:extLst>
   </p:cSld>
@@ -1315,6 +3913,36 @@
           <a:chExt cx="0" cy="0"/>
         </a:xfrm>
       </p:grpSpPr>
+      <p:pic>
+        <p:nvPicPr>
+          <p:cNvPr id="13" name="Picture 12" descr="Celestia-R1---OverlayContentSD.png"/>
+          <p:cNvPicPr>
+            <a:picLocks noChangeAspect="1"/>
+          </p:cNvPicPr>
+          <p:nvPr/>
+        </p:nvPicPr>
+        <p:blipFill>
+          <a:blip r:embed="rId2">
+            <a:extLst>
+              <a:ext uri="{28A0092B-C50C-407E-A947-70E740481C1C}">
+                <a14:useLocalDpi xmlns:a14="http://schemas.microsoft.com/office/drawing/2010/main" val="0"/>
+              </a:ext>
+            </a:extLst>
+          </a:blip>
+          <a:stretch>
+            <a:fillRect/>
+          </a:stretch>
+        </p:blipFill>
+        <p:spPr>
+          <a:xfrm>
+            <a:off x="13956" y="0"/>
+            <a:ext cx="9118600" cy="6858000"/>
+          </a:xfrm>
+          <a:prstGeom prst="rect">
+            <a:avLst/>
+          </a:prstGeom>
+        </p:spPr>
+      </p:pic>
       <p:sp>
         <p:nvSpPr>
           <p:cNvPr id="2" name="Title 1"/>
@@ -1325,15 +3953,16 @@
             <p:ph type="title"/>
           </p:nvPr>
         </p:nvSpPr>
-        <p:spPr>
-          <a:xfrm>
-            <a:off x="629841" y="365126"/>
-            <a:ext cx="7886700" cy="1325563"/>
-          </a:xfrm>
-        </p:spPr>
-        <p:txBody>
-          <a:bodyPr/>
-          <a:lstStyle/>
+        <p:spPr/>
+        <p:txBody>
+          <a:bodyPr>
+            <a:normAutofit/>
+          </a:bodyPr>
+          <a:lstStyle>
+            <a:lvl1pPr>
+              <a:defRPr sz="3200"/>
+            </a:lvl1pPr>
+          </a:lstStyle>
           <a:p>
             <a:r>
               <a:rPr lang="en-US" smtClean="0"/>
@@ -1355,16 +3984,18 @@
         </p:nvSpPr>
         <p:spPr>
           <a:xfrm>
-            <a:off x="629842" y="1681163"/>
-            <a:ext cx="3868340" cy="823912"/>
-          </a:xfrm>
-        </p:spPr>
-        <p:txBody>
-          <a:bodyPr anchor="b"/>
+            <a:off x="743480" y="2218267"/>
+            <a:ext cx="3540603" cy="576262"/>
+          </a:xfrm>
+        </p:spPr>
+        <p:txBody>
+          <a:bodyPr anchor="b">
+            <a:noAutofit/>
+          </a:bodyPr>
           <a:lstStyle>
             <a:lvl1pPr marL="0" indent="0">
               <a:buNone/>
-              <a:defRPr sz="2400" b="1"/>
+              <a:defRPr sz="2400" b="0"/>
             </a:lvl1pPr>
             <a:lvl2pPr marL="457200" indent="0">
               <a:buNone/>
@@ -1420,12 +4051,14 @@
         </p:nvSpPr>
         <p:spPr>
           <a:xfrm>
-            <a:off x="629842" y="2505075"/>
-            <a:ext cx="3868340" cy="3684588"/>
-          </a:xfrm>
-        </p:spPr>
-        <p:txBody>
-          <a:bodyPr/>
+            <a:off x="457200" y="2870201"/>
+            <a:ext cx="3813048" cy="2920998"/>
+          </a:xfrm>
+        </p:spPr>
+        <p:txBody>
+          <a:bodyPr anchor="t">
+            <a:normAutofit/>
+          </a:bodyPr>
           <a:lstStyle/>
           <a:p>
             <a:pPr lvl="0"/>
@@ -1477,16 +4110,18 @@
         </p:nvSpPr>
         <p:spPr>
           <a:xfrm>
-            <a:off x="4629150" y="1681163"/>
-            <a:ext cx="3887391" cy="823912"/>
-          </a:xfrm>
-        </p:spPr>
-        <p:txBody>
-          <a:bodyPr anchor="b"/>
+            <a:off x="4711120" y="2218267"/>
+            <a:ext cx="3518480" cy="576262"/>
+          </a:xfrm>
+        </p:spPr>
+        <p:txBody>
+          <a:bodyPr anchor="b">
+            <a:noAutofit/>
+          </a:bodyPr>
           <a:lstStyle>
             <a:lvl1pPr marL="0" indent="0">
               <a:buNone/>
-              <a:defRPr sz="2400" b="1"/>
+              <a:defRPr sz="2400" b="0"/>
             </a:lvl1pPr>
             <a:lvl2pPr marL="457200" indent="0">
               <a:buNone/>
@@ -1542,12 +4177,14 @@
         </p:nvSpPr>
         <p:spPr>
           <a:xfrm>
-            <a:off x="4629150" y="2505075"/>
-            <a:ext cx="3887391" cy="3684588"/>
-          </a:xfrm>
-        </p:spPr>
-        <p:txBody>
-          <a:bodyPr/>
+            <a:off x="4416552" y="2870201"/>
+            <a:ext cx="3813048" cy="2920998"/>
+          </a:xfrm>
+        </p:spPr>
+        <p:txBody>
+          <a:bodyPr anchor="t">
+            <a:normAutofit/>
+          </a:bodyPr>
           <a:lstStyle/>
           <a:p>
             <a:pPr lvl="0"/>
@@ -1655,7 +4292,7 @@
     </p:spTree>
     <p:extLst>
       <p:ext uri="{BB962C8B-B14F-4D97-AF65-F5344CB8AC3E}">
-        <p14:creationId xmlns:p14="http://schemas.microsoft.com/office/powerpoint/2010/main" val="1888398257"/>
+        <p14:creationId xmlns:p14="http://schemas.microsoft.com/office/powerpoint/2010/main" val="3193245632"/>
       </p:ext>
     </p:extLst>
   </p:cSld>
@@ -1682,6 +4319,36 @@
           <a:chExt cx="0" cy="0"/>
         </a:xfrm>
       </p:grpSpPr>
+      <p:pic>
+        <p:nvPicPr>
+          <p:cNvPr id="6" name="Picture 5" descr="Celestia-R1---OverlayContentSD.png"/>
+          <p:cNvPicPr>
+            <a:picLocks noChangeAspect="1"/>
+          </p:cNvPicPr>
+          <p:nvPr/>
+        </p:nvPicPr>
+        <p:blipFill>
+          <a:blip r:embed="rId2">
+            <a:extLst>
+              <a:ext uri="{28A0092B-C50C-407E-A947-70E740481C1C}">
+                <a14:useLocalDpi xmlns:a14="http://schemas.microsoft.com/office/drawing/2010/main" val="0"/>
+              </a:ext>
+            </a:extLst>
+          </a:blip>
+          <a:stretch>
+            <a:fillRect/>
+          </a:stretch>
+        </p:blipFill>
+        <p:spPr>
+          <a:xfrm>
+            <a:off x="13956" y="0"/>
+            <a:ext cx="9118600" cy="6858000"/>
+          </a:xfrm>
+          <a:prstGeom prst="rect">
+            <a:avLst/>
+          </a:prstGeom>
+        </p:spPr>
+      </p:pic>
       <p:sp>
         <p:nvSpPr>
           <p:cNvPr id="2" name="Title 1"/>
@@ -1692,10 +4359,21 @@
             <p:ph type="title"/>
           </p:nvPr>
         </p:nvSpPr>
-        <p:spPr/>
-        <p:txBody>
-          <a:bodyPr/>
-          <a:lstStyle/>
+        <p:spPr>
+          <a:xfrm>
+            <a:off x="457201" y="609601"/>
+            <a:ext cx="7772400" cy="1456267"/>
+          </a:xfrm>
+        </p:spPr>
+        <p:txBody>
+          <a:bodyPr>
+            <a:normAutofit/>
+          </a:bodyPr>
+          <a:lstStyle>
+            <a:lvl1pPr>
+              <a:defRPr sz="3200"/>
+            </a:lvl1pPr>
+          </a:lstStyle>
           <a:p>
             <a:r>
               <a:rPr lang="en-US" smtClean="0"/>
@@ -1773,7 +4451,7 @@
     </p:spTree>
     <p:extLst>
       <p:ext uri="{BB962C8B-B14F-4D97-AF65-F5344CB8AC3E}">
-        <p14:creationId xmlns:p14="http://schemas.microsoft.com/office/powerpoint/2010/main" val="4288370191"/>
+        <p14:creationId xmlns:p14="http://schemas.microsoft.com/office/powerpoint/2010/main" val="3837074253"/>
       </p:ext>
     </p:extLst>
   </p:cSld>
@@ -1800,6 +4478,36 @@
           <a:chExt cx="0" cy="0"/>
         </a:xfrm>
       </p:grpSpPr>
+      <p:pic>
+        <p:nvPicPr>
+          <p:cNvPr id="5" name="Picture 4" descr="Celestia-R1---OverlayContentSD.png"/>
+          <p:cNvPicPr>
+            <a:picLocks noChangeAspect="1"/>
+          </p:cNvPicPr>
+          <p:nvPr/>
+        </p:nvPicPr>
+        <p:blipFill>
+          <a:blip r:embed="rId2">
+            <a:extLst>
+              <a:ext uri="{28A0092B-C50C-407E-A947-70E740481C1C}">
+                <a14:useLocalDpi xmlns:a14="http://schemas.microsoft.com/office/drawing/2010/main" val="0"/>
+              </a:ext>
+            </a:extLst>
+          </a:blip>
+          <a:stretch>
+            <a:fillRect/>
+          </a:stretch>
+        </p:blipFill>
+        <p:spPr>
+          <a:xfrm>
+            <a:off x="13956" y="0"/>
+            <a:ext cx="9118600" cy="6858000"/>
+          </a:xfrm>
+          <a:prstGeom prst="rect">
+            <a:avLst/>
+          </a:prstGeom>
+        </p:spPr>
+      </p:pic>
       <p:sp>
         <p:nvSpPr>
           <p:cNvPr id="2" name="Date Placeholder 1"/>
@@ -1868,7 +4576,7 @@
     </p:spTree>
     <p:extLst>
       <p:ext uri="{BB962C8B-B14F-4D97-AF65-F5344CB8AC3E}">
-        <p14:creationId xmlns:p14="http://schemas.microsoft.com/office/powerpoint/2010/main" val="946742852"/>
+        <p14:creationId xmlns:p14="http://schemas.microsoft.com/office/powerpoint/2010/main" val="3322558776"/>
       </p:ext>
     </p:extLst>
   </p:cSld>
@@ -1895,6 +4603,36 @@
           <a:chExt cx="0" cy="0"/>
         </a:xfrm>
       </p:grpSpPr>
+      <p:pic>
+        <p:nvPicPr>
+          <p:cNvPr id="12" name="Picture 11" descr="Celestia-R1---OverlayContentSD.png"/>
+          <p:cNvPicPr>
+            <a:picLocks noChangeAspect="1"/>
+          </p:cNvPicPr>
+          <p:nvPr/>
+        </p:nvPicPr>
+        <p:blipFill>
+          <a:blip r:embed="rId2">
+            <a:extLst>
+              <a:ext uri="{28A0092B-C50C-407E-A947-70E740481C1C}">
+                <a14:useLocalDpi xmlns:a14="http://schemas.microsoft.com/office/drawing/2010/main" val="0"/>
+              </a:ext>
+            </a:extLst>
+          </a:blip>
+          <a:stretch>
+            <a:fillRect/>
+          </a:stretch>
+        </p:blipFill>
+        <p:spPr>
+          <a:xfrm>
+            <a:off x="13956" y="0"/>
+            <a:ext cx="9118600" cy="6858000"/>
+          </a:xfrm>
+          <a:prstGeom prst="rect">
+            <a:avLst/>
+          </a:prstGeom>
+        </p:spPr>
+      </p:pic>
       <p:sp>
         <p:nvSpPr>
           <p:cNvPr id="2" name="Title 1"/>
@@ -1907,15 +4645,17 @@
         </p:nvSpPr>
         <p:spPr>
           <a:xfrm>
-            <a:off x="629841" y="457200"/>
-            <a:ext cx="2949178" cy="1600200"/>
-          </a:xfrm>
-        </p:spPr>
-        <p:txBody>
-          <a:bodyPr anchor="b"/>
+            <a:off x="461718" y="1557868"/>
+            <a:ext cx="2862910" cy="1439332"/>
+          </a:xfrm>
+        </p:spPr>
+        <p:txBody>
+          <a:bodyPr anchor="b">
+            <a:normAutofit/>
+          </a:bodyPr>
           <a:lstStyle>
-            <a:lvl1pPr>
-              <a:defRPr sz="3200"/>
+            <a:lvl1pPr algn="l">
+              <a:defRPr sz="2400" b="0"/>
             </a:lvl1pPr>
           </a:lstStyle>
           <a:p>
@@ -1939,41 +4679,15 @@
         </p:nvSpPr>
         <p:spPr>
           <a:xfrm>
-            <a:off x="3887391" y="987426"/>
-            <a:ext cx="4629150" cy="4873625"/>
-          </a:xfrm>
-        </p:spPr>
-        <p:txBody>
-          <a:bodyPr/>
-          <a:lstStyle>
-            <a:lvl1pPr>
-              <a:defRPr sz="3200"/>
-            </a:lvl1pPr>
-            <a:lvl2pPr>
-              <a:defRPr sz="2800"/>
-            </a:lvl2pPr>
-            <a:lvl3pPr>
-              <a:defRPr sz="2400"/>
-            </a:lvl3pPr>
-            <a:lvl4pPr>
-              <a:defRPr sz="2000"/>
-            </a:lvl4pPr>
-            <a:lvl5pPr>
-              <a:defRPr sz="2000"/>
-            </a:lvl5pPr>
-            <a:lvl6pPr>
-              <a:defRPr sz="2000"/>
-            </a:lvl6pPr>
-            <a:lvl7pPr>
-              <a:defRPr sz="2000"/>
-            </a:lvl7pPr>
-            <a:lvl8pPr>
-              <a:defRPr sz="2000"/>
-            </a:lvl8pPr>
-            <a:lvl9pPr>
-              <a:defRPr sz="2000"/>
-            </a:lvl9pPr>
-          </a:lstStyle>
+            <a:off x="3606144" y="609601"/>
+            <a:ext cx="4627975" cy="5181600"/>
+          </a:xfrm>
+        </p:spPr>
+        <p:txBody>
+          <a:bodyPr anchor="ctr">
+            <a:normAutofit/>
+          </a:bodyPr>
+          <a:lstStyle/>
           <a:p>
             <a:pPr lvl="0"/>
             <a:r>
@@ -2024,48 +4738,50 @@
         </p:nvSpPr>
         <p:spPr>
           <a:xfrm>
-            <a:off x="629841" y="2057400"/>
-            <a:ext cx="2949178" cy="3811588"/>
-          </a:xfrm>
-        </p:spPr>
-        <p:txBody>
-          <a:bodyPr/>
+            <a:off x="461718" y="2997200"/>
+            <a:ext cx="2862910" cy="1845735"/>
+          </a:xfrm>
+        </p:spPr>
+        <p:txBody>
+          <a:bodyPr anchor="t">
+            <a:normAutofit/>
+          </a:bodyPr>
           <a:lstStyle>
             <a:lvl1pPr marL="0" indent="0">
               <a:buNone/>
-              <a:defRPr sz="1600"/>
+              <a:defRPr sz="1400"/>
             </a:lvl1pPr>
             <a:lvl2pPr marL="457200" indent="0">
               <a:buNone/>
-              <a:defRPr sz="1400"/>
+              <a:defRPr sz="1200"/>
             </a:lvl2pPr>
             <a:lvl3pPr marL="914400" indent="0">
               <a:buNone/>
-              <a:defRPr sz="1200"/>
+              <a:defRPr sz="1000"/>
             </a:lvl3pPr>
             <a:lvl4pPr marL="1371600" indent="0">
               <a:buNone/>
-              <a:defRPr sz="1000"/>
+              <a:defRPr sz="900"/>
             </a:lvl4pPr>
             <a:lvl5pPr marL="1828800" indent="0">
               <a:buNone/>
-              <a:defRPr sz="1000"/>
+              <a:defRPr sz="900"/>
             </a:lvl5pPr>
             <a:lvl6pPr marL="2286000" indent="0">
               <a:buNone/>
-              <a:defRPr sz="1000"/>
+              <a:defRPr sz="900"/>
             </a:lvl6pPr>
             <a:lvl7pPr marL="2743200" indent="0">
               <a:buNone/>
-              <a:defRPr sz="1000"/>
+              <a:defRPr sz="900"/>
             </a:lvl7pPr>
             <a:lvl8pPr marL="3200400" indent="0">
               <a:buNone/>
-              <a:defRPr sz="1000"/>
+              <a:defRPr sz="900"/>
             </a:lvl8pPr>
             <a:lvl9pPr marL="3657600" indent="0">
               <a:buNone/>
-              <a:defRPr sz="1000"/>
+              <a:defRPr sz="900"/>
             </a:lvl9pPr>
           </a:lstStyle>
           <a:p>
@@ -2145,7 +4861,7 @@
     </p:spTree>
     <p:extLst>
       <p:ext uri="{BB962C8B-B14F-4D97-AF65-F5344CB8AC3E}">
-        <p14:creationId xmlns:p14="http://schemas.microsoft.com/office/powerpoint/2010/main" val="4183902289"/>
+        <p14:creationId xmlns:p14="http://schemas.microsoft.com/office/powerpoint/2010/main" val="367187700"/>
       </p:ext>
     </p:extLst>
   </p:cSld>
@@ -2172,6 +4888,36 @@
           <a:chExt cx="0" cy="0"/>
         </a:xfrm>
       </p:grpSpPr>
+      <p:pic>
+        <p:nvPicPr>
+          <p:cNvPr id="11" name="Picture 10" descr="Celestia-R1---OverlayContentSD.png"/>
+          <p:cNvPicPr>
+            <a:picLocks noChangeAspect="1"/>
+          </p:cNvPicPr>
+          <p:nvPr/>
+        </p:nvPicPr>
+        <p:blipFill>
+          <a:blip r:embed="rId2">
+            <a:extLst>
+              <a:ext uri="{28A0092B-C50C-407E-A947-70E740481C1C}">
+                <a14:useLocalDpi xmlns:a14="http://schemas.microsoft.com/office/drawing/2010/main" val="0"/>
+              </a:ext>
+            </a:extLst>
+          </a:blip>
+          <a:stretch>
+            <a:fillRect/>
+          </a:stretch>
+        </p:blipFill>
+        <p:spPr>
+          <a:xfrm>
+            <a:off x="13956" y="0"/>
+            <a:ext cx="9118600" cy="6858000"/>
+          </a:xfrm>
+          <a:prstGeom prst="rect">
+            <a:avLst/>
+          </a:prstGeom>
+        </p:spPr>
+      </p:pic>
       <p:sp>
         <p:nvSpPr>
           <p:cNvPr id="2" name="Title 1"/>
@@ -2184,21 +4930,91 @@
         </p:nvSpPr>
         <p:spPr>
           <a:xfrm>
-            <a:off x="629841" y="457200"/>
-            <a:ext cx="2949178" cy="1600200"/>
-          </a:xfrm>
-        </p:spPr>
-        <p:txBody>
-          <a:bodyPr anchor="b"/>
+            <a:off x="462128" y="1735672"/>
+            <a:ext cx="4097204" cy="1371600"/>
+          </a:xfrm>
+        </p:spPr>
+        <p:txBody>
+          <a:bodyPr anchor="b">
+            <a:normAutofit/>
+          </a:bodyPr>
+          <a:lstStyle>
+            <a:lvl1pPr algn="l">
+              <a:defRPr sz="2400" b="0"/>
+            </a:lvl1pPr>
+          </a:lstStyle>
+          <a:p>
+            <a:r>
+              <a:rPr lang="en-US" smtClean="0"/>
+              <a:t>Click to edit Master title style</a:t>
+            </a:r>
+            <a:endParaRPr lang="en-US" dirty="0"/>
+          </a:p>
+        </p:txBody>
+      </p:sp>
+      <p:sp>
+        <p:nvSpPr>
+          <p:cNvPr id="14" name="Picture Placeholder 2"/>
+          <p:cNvSpPr>
+            <a:spLocks noGrp="1" noChangeAspect="1"/>
+          </p:cNvSpPr>
+          <p:nvPr>
+            <p:ph type="pic" idx="1"/>
+          </p:nvPr>
+        </p:nvSpPr>
+        <p:spPr>
+          <a:xfrm>
+            <a:off x="5029200" y="914400"/>
+            <a:ext cx="3200400" cy="4572000"/>
+          </a:xfrm>
+          <a:prstGeom prst="roundRect">
+            <a:avLst>
+              <a:gd name="adj" fmla="val 4280"/>
+            </a:avLst>
+          </a:prstGeom>
+          <a:ln w="50800" cap="sq" cmpd="dbl">
+            <a:gradFill flip="none" rotWithShape="1">
+              <a:gsLst>
+                <a:gs pos="0">
+                  <a:srgbClr val="FFFFFF"/>
+                </a:gs>
+                <a:gs pos="100000">
+                  <a:schemeClr val="tx1">
+                    <a:alpha val="0"/>
+                  </a:schemeClr>
+                </a:gs>
+              </a:gsLst>
+              <a:path path="circle">
+                <a:fillToRect l="50000" t="50000" r="50000" b="50000"/>
+              </a:path>
+              <a:tileRect/>
+            </a:gradFill>
+            <a:miter lim="800000"/>
+          </a:ln>
+          <a:effectLst>
+            <a:outerShdw blurRad="254000" algn="tl" rotWithShape="0">
+              <a:srgbClr val="000000">
+                <a:alpha val="43000"/>
+              </a:srgbClr>
+            </a:outerShdw>
+          </a:effectLst>
+        </p:spPr>
+        <p:txBody>
+          <a:bodyPr vert="horz" lIns="91440" tIns="45720" rIns="91440" bIns="45720" rtlCol="0" anchor="t">
+            <a:normAutofit/>
+          </a:bodyPr>
           <a:lstStyle>
             <a:lvl1pPr>
-              <a:defRPr sz="3200"/>
+              <a:defRPr lang="en-US" sz="1600" dirty="0"/>
             </a:lvl1pPr>
           </a:lstStyle>
           <a:p>
-            <a:r>
-              <a:rPr lang="en-US" smtClean="0"/>
-              <a:t>Click to edit Master title style</a:t>
+            <a:pPr marL="0" lvl="0" indent="0" algn="ctr">
+              <a:buNone/>
+            </a:pPr>
+            <a:r>
+              <a:rPr lang="en-US" smtClean="0"/>
+              <a:t>Click icon to add picture</a:t>
             </a:r>
             <a:endParaRPr lang="en-US" dirty="0"/>
           </a:p>
@@ -2206,71 +5022,6 @@
       </p:sp>
       <p:sp>
         <p:nvSpPr>
-          <p:cNvPr id="3" name="Picture Placeholder 2"/>
-          <p:cNvSpPr>
-            <a:spLocks noGrp="1" noChangeAspect="1"/>
-          </p:cNvSpPr>
-          <p:nvPr>
-            <p:ph type="pic" idx="1"/>
-          </p:nvPr>
-        </p:nvSpPr>
-        <p:spPr>
-          <a:xfrm>
-            <a:off x="3887391" y="987426"/>
-            <a:ext cx="4629150" cy="4873625"/>
-          </a:xfrm>
-        </p:spPr>
-        <p:txBody>
-          <a:bodyPr anchor="t"/>
-          <a:lstStyle>
-            <a:lvl1pPr marL="0" indent="0">
-              <a:buNone/>
-              <a:defRPr sz="3200"/>
-            </a:lvl1pPr>
-            <a:lvl2pPr marL="457200" indent="0">
-              <a:buNone/>
-              <a:defRPr sz="2800"/>
-            </a:lvl2pPr>
-            <a:lvl3pPr marL="914400" indent="0">
-              <a:buNone/>
-              <a:defRPr sz="2400"/>
-            </a:lvl3pPr>
-            <a:lvl4pPr marL="1371600" indent="0">
-              <a:buNone/>
-              <a:defRPr sz="2000"/>
-            </a:lvl4pPr>
-            <a:lvl5pPr marL="1828800" indent="0">
-              <a:buNone/>
-              <a:defRPr sz="2000"/>
-            </a:lvl5pPr>
-            <a:lvl6pPr marL="2286000" indent="0">
-              <a:buNone/>
-              <a:defRPr sz="2000"/>
-            </a:lvl6pPr>
-            <a:lvl7pPr marL="2743200" indent="0">
-              <a:buNone/>
-              <a:defRPr sz="2000"/>
-            </a:lvl7pPr>
-            <a:lvl8pPr marL="3200400" indent="0">
-              <a:buNone/>
-              <a:defRPr sz="2000"/>
-            </a:lvl8pPr>
-            <a:lvl9pPr marL="3657600" indent="0">
-              <a:buNone/>
-              <a:defRPr sz="2000"/>
-            </a:lvl9pPr>
-          </a:lstStyle>
-          <a:p>
-            <a:r>
-              <a:rPr lang="en-US" smtClean="0"/>
-              <a:t>Click icon to add picture</a:t>
-            </a:r>
-            <a:endParaRPr lang="en-US" dirty="0"/>
-          </a:p>
-        </p:txBody>
-      </p:sp>
-      <p:sp>
-        <p:nvSpPr>
           <p:cNvPr id="4" name="Text Placeholder 3"/>
           <p:cNvSpPr>
             <a:spLocks noGrp="1"/>
@@ -2281,12 +5032,14 @@
         </p:nvSpPr>
         <p:spPr>
           <a:xfrm>
-            <a:off x="629841" y="2057400"/>
-            <a:ext cx="2949178" cy="3811588"/>
-          </a:xfrm>
-        </p:spPr>
-        <p:txBody>
-          <a:bodyPr/>
+            <a:off x="462128" y="3107272"/>
+            <a:ext cx="4097204" cy="1828800"/>
+          </a:xfrm>
+        </p:spPr>
+        <p:txBody>
+          <a:bodyPr anchor="t">
+            <a:normAutofit/>
+          </a:bodyPr>
           <a:lstStyle>
             <a:lvl1pPr marL="0" indent="0">
               <a:buNone/>
@@ -2294,35 +5047,35 @@
             </a:lvl1pPr>
             <a:lvl2pPr marL="457200" indent="0">
               <a:buNone/>
-              <a:defRPr sz="1400"/>
+              <a:defRPr sz="1200"/>
             </a:lvl2pPr>
             <a:lvl3pPr marL="914400" indent="0">
               <a:buNone/>
-              <a:defRPr sz="1200"/>
+              <a:defRPr sz="1000"/>
             </a:lvl3pPr>
             <a:lvl4pPr marL="1371600" indent="0">
               <a:buNone/>
-              <a:defRPr sz="1000"/>
+              <a:defRPr sz="900"/>
             </a:lvl4pPr>
             <a:lvl5pPr marL="1828800" indent="0">
               <a:buNone/>
-              <a:defRPr sz="1000"/>
+              <a:defRPr sz="900"/>
             </a:lvl5pPr>
             <a:lvl6pPr marL="2286000" indent="0">
               <a:buNone/>
-              <a:defRPr sz="1000"/>
+              <a:defRPr sz="900"/>
             </a:lvl6pPr>
             <a:lvl7pPr marL="2743200" indent="0">
               <a:buNone/>
-              <a:defRPr sz="1000"/>
+              <a:defRPr sz="900"/>
             </a:lvl7pPr>
             <a:lvl8pPr marL="3200400" indent="0">
               <a:buNone/>
-              <a:defRPr sz="1000"/>
+              <a:defRPr sz="900"/>
             </a:lvl8pPr>
             <a:lvl9pPr marL="3657600" indent="0">
               <a:buNone/>
-              <a:defRPr sz="1000"/>
+              <a:defRPr sz="900"/>
             </a:lvl9pPr>
           </a:lstStyle>
           <a:p>
@@ -2402,7 +5155,7 @@
     </p:spTree>
     <p:extLst>
       <p:ext uri="{BB962C8B-B14F-4D97-AF65-F5344CB8AC3E}">
-        <p14:creationId xmlns:p14="http://schemas.microsoft.com/office/powerpoint/2010/main" val="3520388161"/>
+        <p14:creationId xmlns:p14="http://schemas.microsoft.com/office/powerpoint/2010/main" val="4138616420"/>
       </p:ext>
     </p:extLst>
   </p:cSld>
@@ -2416,8 +5169,8 @@
 <p:sldMaster xmlns:a="http://schemas.openxmlformats.org/drawingml/2006/main" xmlns:r="http://schemas.openxmlformats.org/officeDocument/2006/relationships" xmlns:p="http://schemas.openxmlformats.org/presentationml/2006/main">
   <p:cSld>
     <p:bg>
-      <p:bgRef idx="1001">
-        <a:schemeClr val="bg1"/>
+      <p:bgRef idx="1003">
+        <a:schemeClr val="bg2"/>
       </p:bgRef>
     </p:bg>
     <p:spTree>
@@ -2446,12 +5199,13 @@
         </p:nvSpPr>
         <p:spPr>
           <a:xfrm>
-            <a:off x="628650" y="365126"/>
-            <a:ext cx="7886700" cy="1325563"/>
+            <a:off x="457200" y="609601"/>
+            <a:ext cx="7772400" cy="1456267"/>
           </a:xfrm>
           <a:prstGeom prst="rect">
             <a:avLst/>
           </a:prstGeom>
+          <a:effectLst/>
         </p:spPr>
         <p:txBody>
           <a:bodyPr vert="horz" lIns="91440" tIns="45720" rIns="91440" bIns="45720" rtlCol="0" anchor="ctr">
@@ -2479,15 +5233,15 @@
         </p:nvSpPr>
         <p:spPr>
           <a:xfrm>
-            <a:off x="628650" y="1825625"/>
-            <a:ext cx="7886700" cy="4351338"/>
+            <a:off x="457200" y="2142068"/>
+            <a:ext cx="7772400" cy="3649133"/>
           </a:xfrm>
           <a:prstGeom prst="rect">
             <a:avLst/>
           </a:prstGeom>
         </p:spPr>
         <p:txBody>
-          <a:bodyPr vert="horz" lIns="91440" tIns="45720" rIns="91440" bIns="45720" rtlCol="0">
+          <a:bodyPr vert="horz" lIns="91440" tIns="45720" rIns="91440" bIns="45720" rtlCol="0" anchor="ctr">
             <a:normAutofit/>
           </a:bodyPr>
           <a:lstStyle/>
@@ -2541,8 +5295,8 @@
         </p:nvSpPr>
         <p:spPr>
           <a:xfrm>
-            <a:off x="628650" y="6356351"/>
-            <a:ext cx="2057400" cy="365125"/>
+            <a:off x="6523712" y="5870576"/>
+            <a:ext cx="1212173" cy="377825"/>
           </a:xfrm>
           <a:prstGeom prst="rect">
             <a:avLst/>
@@ -2551,13 +5305,13 @@
         <p:txBody>
           <a:bodyPr vert="horz" lIns="91440" tIns="45720" rIns="91440" bIns="45720" rtlCol="0" anchor="ctr"/>
           <a:lstStyle>
-            <a:lvl1pPr algn="l">
-              <a:defRPr sz="1200">
-                <a:solidFill>
-                  <a:schemeClr val="tx1">
-                    <a:tint val="75000"/>
-                  </a:schemeClr>
-                </a:solidFill>
+            <a:lvl1pPr algn="r">
+              <a:defRPr sz="1000" b="0" i="0">
+                <a:solidFill>
+                  <a:schemeClr val="tx1"/>
+                </a:solidFill>
+                <a:effectLst/>
+                <a:latin typeface="+mn-lt"/>
               </a:defRPr>
             </a:lvl1pPr>
           </a:lstStyle>
@@ -2582,8 +5336,8 @@
         </p:nvSpPr>
         <p:spPr>
           <a:xfrm>
-            <a:off x="3028950" y="6356351"/>
-            <a:ext cx="3086100" cy="365125"/>
+            <a:off x="457200" y="5870576"/>
+            <a:ext cx="5990311" cy="377825"/>
           </a:xfrm>
           <a:prstGeom prst="rect">
             <a:avLst/>
@@ -2592,13 +5346,13 @@
         <p:txBody>
           <a:bodyPr vert="horz" lIns="91440" tIns="45720" rIns="91440" bIns="45720" rtlCol="0" anchor="ctr"/>
           <a:lstStyle>
-            <a:lvl1pPr algn="ctr">
-              <a:defRPr sz="1200">
-                <a:solidFill>
-                  <a:schemeClr val="tx1">
-                    <a:tint val="75000"/>
-                  </a:schemeClr>
-                </a:solidFill>
+            <a:lvl1pPr algn="l">
+              <a:defRPr sz="1000" b="0" i="0">
+                <a:solidFill>
+                  <a:schemeClr val="tx1"/>
+                </a:solidFill>
+                <a:effectLst/>
+                <a:latin typeface="+mn-lt"/>
               </a:defRPr>
             </a:lvl1pPr>
           </a:lstStyle>
@@ -2619,8 +5373,8 @@
         </p:nvSpPr>
         <p:spPr>
           <a:xfrm>
-            <a:off x="6457950" y="6356351"/>
-            <a:ext cx="2057400" cy="365125"/>
+            <a:off x="7812085" y="5870576"/>
+            <a:ext cx="417516" cy="377825"/>
           </a:xfrm>
           <a:prstGeom prst="rect">
             <a:avLst/>
@@ -2630,12 +5384,12 @@
           <a:bodyPr vert="horz" lIns="91440" tIns="45720" rIns="91440" bIns="45720" rtlCol="0" anchor="ctr"/>
           <a:lstStyle>
             <a:lvl1pPr algn="r">
-              <a:defRPr sz="1200">
-                <a:solidFill>
-                  <a:schemeClr val="tx1">
-                    <a:tint val="75000"/>
-                  </a:schemeClr>
-                </a:solidFill>
+              <a:defRPr sz="1000" b="0" i="0">
+                <a:solidFill>
+                  <a:schemeClr val="tx1"/>
+                </a:solidFill>
+                <a:effectLst/>
+                <a:latin typeface="+mn-lt"/>
               </a:defRPr>
             </a:lvl1pPr>
           </a:lstStyle>
@@ -2651,202 +5405,310 @@
     </p:spTree>
     <p:extLst>
       <p:ext uri="{BB962C8B-B14F-4D97-AF65-F5344CB8AC3E}">
-        <p14:creationId xmlns:p14="http://schemas.microsoft.com/office/powerpoint/2010/main" val="1415795187"/>
+        <p14:creationId xmlns:p14="http://schemas.microsoft.com/office/powerpoint/2010/main" val="347766546"/>
       </p:ext>
     </p:extLst>
   </p:cSld>
-  <p:clrMap bg1="lt1" tx1="dk1" bg2="lt2" tx2="dk2" accent1="accent1" accent2="accent2" accent3="accent3" accent4="accent4" accent5="accent5" accent6="accent6" hlink="hlink" folHlink="folHlink"/>
+  <p:clrMap bg1="dk1" tx1="lt1" bg2="dk2" tx2="lt2" accent1="accent1" accent2="accent2" accent3="accent3" accent4="accent4" accent5="accent5" accent6="accent6" hlink="hlink" folHlink="folHlink"/>
   <p:sldLayoutIdLst>
-    <p:sldLayoutId id="2147483661" r:id="rId1"/>
-    <p:sldLayoutId id="2147483662" r:id="rId2"/>
-    <p:sldLayoutId id="2147483663" r:id="rId3"/>
-    <p:sldLayoutId id="2147483664" r:id="rId4"/>
-    <p:sldLayoutId id="2147483665" r:id="rId5"/>
-    <p:sldLayoutId id="2147483666" r:id="rId6"/>
-    <p:sldLayoutId id="2147483667" r:id="rId7"/>
-    <p:sldLayoutId id="2147483668" r:id="rId8"/>
-    <p:sldLayoutId id="2147483669" r:id="rId9"/>
-    <p:sldLayoutId id="2147483670" r:id="rId10"/>
-    <p:sldLayoutId id="2147483671" r:id="rId11"/>
+    <p:sldLayoutId id="2147483673" r:id="rId1"/>
+    <p:sldLayoutId id="2147483674" r:id="rId2"/>
+    <p:sldLayoutId id="2147483675" r:id="rId3"/>
+    <p:sldLayoutId id="2147483676" r:id="rId4"/>
+    <p:sldLayoutId id="2147483677" r:id="rId5"/>
+    <p:sldLayoutId id="2147483678" r:id="rId6"/>
+    <p:sldLayoutId id="2147483679" r:id="rId7"/>
+    <p:sldLayoutId id="2147483680" r:id="rId8"/>
+    <p:sldLayoutId id="2147483681" r:id="rId9"/>
+    <p:sldLayoutId id="2147483682" r:id="rId10"/>
+    <p:sldLayoutId id="2147483683" r:id="rId11"/>
+    <p:sldLayoutId id="2147483684" r:id="rId12"/>
+    <p:sldLayoutId id="2147483685" r:id="rId13"/>
+    <p:sldLayoutId id="2147483686" r:id="rId14"/>
+    <p:sldLayoutId id="2147483687" r:id="rId15"/>
+    <p:sldLayoutId id="2147483688" r:id="rId16"/>
+    <p:sldLayoutId id="2147483689" r:id="rId17"/>
   </p:sldLayoutIdLst>
   <p:txStyles>
     <p:titleStyle>
-      <a:lvl1pPr algn="l" defTabSz="914400" rtl="0" eaLnBrk="1" latinLnBrk="0" hangingPunct="1">
-        <a:lnSpc>
-          <a:spcPct val="90000"/>
-        </a:lnSpc>
+      <a:lvl1pPr algn="l" defTabSz="457200" rtl="0" eaLnBrk="1" latinLnBrk="0" hangingPunct="1">
         <a:spcBef>
           <a:spcPct val="0"/>
         </a:spcBef>
         <a:buNone/>
-        <a:defRPr sz="4400" kern="1200">
+        <a:defRPr sz="3200" kern="1200" cap="all">
+          <a:ln w="3175" cmpd="sng">
+            <a:noFill/>
+          </a:ln>
           <a:solidFill>
             <a:schemeClr val="tx1"/>
           </a:solidFill>
+          <a:effectLst/>
           <a:latin typeface="+mj-lt"/>
           <a:ea typeface="+mj-ea"/>
           <a:cs typeface="+mj-cs"/>
         </a:defRPr>
       </a:lvl1pPr>
+      <a:lvl2pPr eaLnBrk="1" hangingPunct="1">
+        <a:defRPr>
+          <a:solidFill>
+            <a:schemeClr val="tx2"/>
+          </a:solidFill>
+        </a:defRPr>
+      </a:lvl2pPr>
+      <a:lvl3pPr eaLnBrk="1" hangingPunct="1">
+        <a:defRPr>
+          <a:solidFill>
+            <a:schemeClr val="tx2"/>
+          </a:solidFill>
+        </a:defRPr>
+      </a:lvl3pPr>
+      <a:lvl4pPr eaLnBrk="1" hangingPunct="1">
+        <a:defRPr>
+          <a:solidFill>
+            <a:schemeClr val="tx2"/>
+          </a:solidFill>
+        </a:defRPr>
+      </a:lvl4pPr>
+      <a:lvl5pPr eaLnBrk="1" hangingPunct="1">
+        <a:defRPr>
+          <a:solidFill>
+            <a:schemeClr val="tx2"/>
+          </a:solidFill>
+        </a:defRPr>
+      </a:lvl5pPr>
+      <a:lvl6pPr eaLnBrk="1" hangingPunct="1">
+        <a:defRPr>
+          <a:solidFill>
+            <a:schemeClr val="tx2"/>
+          </a:solidFill>
+        </a:defRPr>
+      </a:lvl6pPr>
+      <a:lvl7pPr eaLnBrk="1" hangingPunct="1">
+        <a:defRPr>
+          <a:solidFill>
+            <a:schemeClr val="tx2"/>
+          </a:solidFill>
+        </a:defRPr>
+      </a:lvl7pPr>
+      <a:lvl8pPr eaLnBrk="1" hangingPunct="1">
+        <a:defRPr>
+          <a:solidFill>
+            <a:schemeClr val="tx2"/>
+          </a:solidFill>
+        </a:defRPr>
+      </a:lvl8pPr>
+      <a:lvl9pPr eaLnBrk="1" hangingPunct="1">
+        <a:defRPr>
+          <a:solidFill>
+            <a:schemeClr val="tx2"/>
+          </a:solidFill>
+        </a:defRPr>
+      </a:lvl9pPr>
     </p:titleStyle>
     <p:bodyStyle>
-      <a:lvl1pPr marL="228600" indent="-228600" algn="l" defTabSz="914400" rtl="0" eaLnBrk="1" latinLnBrk="0" hangingPunct="1">
-        <a:lnSpc>
-          <a:spcPct val="90000"/>
-        </a:lnSpc>
+      <a:lvl1pPr marL="285750" indent="-285750" algn="l" defTabSz="457200" rtl="0" eaLnBrk="1" latinLnBrk="0" hangingPunct="1">
         <a:spcBef>
+          <a:spcPts val="0"/>
+        </a:spcBef>
+        <a:spcAft>
           <a:spcPts val="1000"/>
-        </a:spcBef>
-        <a:buFont typeface="Arial" panose="020B0604020202020204" pitchFamily="34" charset="0"/>
+        </a:spcAft>
+        <a:buClr>
+          <a:schemeClr val="tx1"/>
+        </a:buClr>
+        <a:buSzPct val="100000"/>
+        <a:buFont typeface="Arial"/>
         <a:buChar char="•"/>
-        <a:defRPr sz="2800" kern="1200">
+        <a:defRPr sz="1800" kern="1200" cap="none">
           <a:solidFill>
             <a:schemeClr val="tx1"/>
           </a:solidFill>
+          <a:effectLst/>
           <a:latin typeface="+mn-lt"/>
           <a:ea typeface="+mn-ea"/>
           <a:cs typeface="+mn-cs"/>
         </a:defRPr>
       </a:lvl1pPr>
-      <a:lvl2pPr marL="685800" indent="-228600" algn="l" defTabSz="914400" rtl="0" eaLnBrk="1" latinLnBrk="0" hangingPunct="1">
-        <a:lnSpc>
-          <a:spcPct val="90000"/>
-        </a:lnSpc>
+      <a:lvl2pPr marL="742950" indent="-285750" algn="l" defTabSz="457200" rtl="0" eaLnBrk="1" latinLnBrk="0" hangingPunct="1">
         <a:spcBef>
-          <a:spcPts val="500"/>
+          <a:spcPts val="0"/>
         </a:spcBef>
-        <a:buFont typeface="Arial" panose="020B0604020202020204" pitchFamily="34" charset="0"/>
+        <a:spcAft>
+          <a:spcPts val="1000"/>
+        </a:spcAft>
+        <a:buClr>
+          <a:schemeClr val="tx1"/>
+        </a:buClr>
+        <a:buSzPct val="100000"/>
+        <a:buFont typeface="Arial"/>
         <a:buChar char="•"/>
-        <a:defRPr sz="2400" kern="1200">
+        <a:defRPr sz="1600" kern="1200" cap="none">
           <a:solidFill>
             <a:schemeClr val="tx1"/>
           </a:solidFill>
+          <a:effectLst/>
           <a:latin typeface="+mn-lt"/>
           <a:ea typeface="+mn-ea"/>
           <a:cs typeface="+mn-cs"/>
         </a:defRPr>
       </a:lvl2pPr>
-      <a:lvl3pPr marL="1143000" indent="-228600" algn="l" defTabSz="914400" rtl="0" eaLnBrk="1" latinLnBrk="0" hangingPunct="1">
-        <a:lnSpc>
-          <a:spcPct val="90000"/>
-        </a:lnSpc>
+      <a:lvl3pPr marL="1200150" indent="-285750" algn="l" defTabSz="457200" rtl="0" eaLnBrk="1" latinLnBrk="0" hangingPunct="1">
         <a:spcBef>
-          <a:spcPts val="500"/>
+          <a:spcPts val="0"/>
         </a:spcBef>
-        <a:buFont typeface="Arial" panose="020B0604020202020204" pitchFamily="34" charset="0"/>
+        <a:spcAft>
+          <a:spcPts val="1000"/>
+        </a:spcAft>
+        <a:buClr>
+          <a:schemeClr val="tx1"/>
+        </a:buClr>
+        <a:buSzPct val="100000"/>
+        <a:buFont typeface="Arial"/>
         <a:buChar char="•"/>
-        <a:defRPr sz="2000" kern="1200">
+        <a:defRPr sz="1400" kern="1200" cap="none">
           <a:solidFill>
             <a:schemeClr val="tx1"/>
           </a:solidFill>
+          <a:effectLst/>
           <a:latin typeface="+mn-lt"/>
           <a:ea typeface="+mn-ea"/>
           <a:cs typeface="+mn-cs"/>
         </a:defRPr>
       </a:lvl3pPr>
-      <a:lvl4pPr marL="1600200" indent="-228600" algn="l" defTabSz="914400" rtl="0" eaLnBrk="1" latinLnBrk="0" hangingPunct="1">
-        <a:lnSpc>
-          <a:spcPct val="90000"/>
-        </a:lnSpc>
+      <a:lvl4pPr marL="1543050" indent="-171450" algn="l" defTabSz="457200" rtl="0" eaLnBrk="1" latinLnBrk="0" hangingPunct="1">
         <a:spcBef>
-          <a:spcPts val="500"/>
+          <a:spcPts val="0"/>
         </a:spcBef>
-        <a:buFont typeface="Arial" panose="020B0604020202020204" pitchFamily="34" charset="0"/>
+        <a:spcAft>
+          <a:spcPts val="1000"/>
+        </a:spcAft>
+        <a:buClr>
+          <a:schemeClr val="tx1"/>
+        </a:buClr>
+        <a:buSzPct val="100000"/>
+        <a:buFont typeface="Arial"/>
         <a:buChar char="•"/>
-        <a:defRPr sz="1800" kern="1200">
+        <a:defRPr sz="1200" kern="1200" cap="none">
           <a:solidFill>
             <a:schemeClr val="tx1"/>
           </a:solidFill>
+          <a:effectLst/>
           <a:latin typeface="+mn-lt"/>
           <a:ea typeface="+mn-ea"/>
           <a:cs typeface="+mn-cs"/>
         </a:defRPr>
       </a:lvl4pPr>
-      <a:lvl5pPr marL="2057400" indent="-228600" algn="l" defTabSz="914400" rtl="0" eaLnBrk="1" latinLnBrk="0" hangingPunct="1">
-        <a:lnSpc>
-          <a:spcPct val="90000"/>
-        </a:lnSpc>
+      <a:lvl5pPr marL="2000250" indent="-171450" algn="l" defTabSz="457200" rtl="0" eaLnBrk="1" latinLnBrk="0" hangingPunct="1">
         <a:spcBef>
-          <a:spcPts val="500"/>
+          <a:spcPts val="0"/>
         </a:spcBef>
-        <a:buFont typeface="Arial" panose="020B0604020202020204" pitchFamily="34" charset="0"/>
+        <a:spcAft>
+          <a:spcPts val="1000"/>
+        </a:spcAft>
+        <a:buClr>
+          <a:schemeClr val="tx1"/>
+        </a:buClr>
+        <a:buSzPct val="100000"/>
+        <a:buFont typeface="Arial"/>
         <a:buChar char="•"/>
-        <a:defRPr sz="1800" kern="1200">
+        <a:defRPr sz="1200" kern="1200" cap="none">
           <a:solidFill>
             <a:schemeClr val="tx1"/>
           </a:solidFill>
+          <a:effectLst/>
           <a:latin typeface="+mn-lt"/>
           <a:ea typeface="+mn-ea"/>
           <a:cs typeface="+mn-cs"/>
         </a:defRPr>
       </a:lvl5pPr>
-      <a:lvl6pPr marL="2514600" indent="-228600" algn="l" defTabSz="914400" rtl="0" eaLnBrk="1" latinLnBrk="0" hangingPunct="1">
-        <a:lnSpc>
-          <a:spcPct val="90000"/>
-        </a:lnSpc>
+      <a:lvl6pPr marL="2514600" indent="-228600" algn="l" defTabSz="457200" rtl="0" eaLnBrk="1" latinLnBrk="0" hangingPunct="1">
         <a:spcBef>
-          <a:spcPts val="500"/>
+          <a:spcPts val="0"/>
         </a:spcBef>
-        <a:buFont typeface="Arial" panose="020B0604020202020204" pitchFamily="34" charset="0"/>
+        <a:spcAft>
+          <a:spcPts val="1000"/>
+        </a:spcAft>
+        <a:buClr>
+          <a:schemeClr val="tx1"/>
+        </a:buClr>
+        <a:buSzPct val="100000"/>
+        <a:buFont typeface="Arial"/>
         <a:buChar char="•"/>
-        <a:defRPr sz="1800" kern="1200">
+        <a:defRPr sz="1200" kern="1200" cap="none">
           <a:solidFill>
             <a:schemeClr val="tx1"/>
           </a:solidFill>
+          <a:effectLst/>
           <a:latin typeface="+mn-lt"/>
           <a:ea typeface="+mn-ea"/>
           <a:cs typeface="+mn-cs"/>
         </a:defRPr>
       </a:lvl6pPr>
-      <a:lvl7pPr marL="2971800" indent="-228600" algn="l" defTabSz="914400" rtl="0" eaLnBrk="1" latinLnBrk="0" hangingPunct="1">
-        <a:lnSpc>
-          <a:spcPct val="90000"/>
-        </a:lnSpc>
+      <a:lvl7pPr marL="2971800" indent="-228600" algn="l" defTabSz="457200" rtl="0" eaLnBrk="1" latinLnBrk="0" hangingPunct="1">
         <a:spcBef>
-          <a:spcPts val="500"/>
+          <a:spcPts val="0"/>
         </a:spcBef>
-        <a:buFont typeface="Arial" panose="020B0604020202020204" pitchFamily="34" charset="0"/>
+        <a:spcAft>
+          <a:spcPts val="1000"/>
+        </a:spcAft>
+        <a:buClr>
+          <a:schemeClr val="tx1"/>
+        </a:buClr>
+        <a:buSzPct val="100000"/>
+        <a:buFont typeface="Arial"/>
         <a:buChar char="•"/>
-        <a:defRPr sz="1800" kern="1200">
+        <a:defRPr sz="1200" kern="1200" cap="none">
           <a:solidFill>
             <a:schemeClr val="tx1"/>
           </a:solidFill>
+          <a:effectLst/>
           <a:latin typeface="+mn-lt"/>
           <a:ea typeface="+mn-ea"/>
           <a:cs typeface="+mn-cs"/>
         </a:defRPr>
       </a:lvl7pPr>
-      <a:lvl8pPr marL="3429000" indent="-228600" algn="l" defTabSz="914400" rtl="0" eaLnBrk="1" latinLnBrk="0" hangingPunct="1">
-        <a:lnSpc>
-          <a:spcPct val="90000"/>
-        </a:lnSpc>
+      <a:lvl8pPr marL="3429000" indent="-228600" algn="l" defTabSz="457200" rtl="0" eaLnBrk="1" latinLnBrk="0" hangingPunct="1">
         <a:spcBef>
-          <a:spcPts val="500"/>
+          <a:spcPts val="0"/>
         </a:spcBef>
-        <a:buFont typeface="Arial" panose="020B0604020202020204" pitchFamily="34" charset="0"/>
+        <a:spcAft>
+          <a:spcPts val="1000"/>
+        </a:spcAft>
+        <a:buClr>
+          <a:schemeClr val="tx1"/>
+        </a:buClr>
+        <a:buSzPct val="100000"/>
+        <a:buFont typeface="Arial"/>
         <a:buChar char="•"/>
-        <a:defRPr sz="1800" kern="1200">
+        <a:defRPr sz="1200" kern="1200" cap="none">
           <a:solidFill>
             <a:schemeClr val="tx1"/>
           </a:solidFill>
+          <a:effectLst/>
           <a:latin typeface="+mn-lt"/>
           <a:ea typeface="+mn-ea"/>
           <a:cs typeface="+mn-cs"/>
         </a:defRPr>
       </a:lvl8pPr>
-      <a:lvl9pPr marL="3886200" indent="-228600" algn="l" defTabSz="914400" rtl="0" eaLnBrk="1" latinLnBrk="0" hangingPunct="1">
-        <a:lnSpc>
-          <a:spcPct val="90000"/>
-        </a:lnSpc>
+      <a:lvl9pPr marL="3886200" indent="-228600" algn="l" defTabSz="457200" rtl="0" eaLnBrk="1" latinLnBrk="0" hangingPunct="1">
         <a:spcBef>
-          <a:spcPts val="500"/>
+          <a:spcPts val="0"/>
         </a:spcBef>
-        <a:buFont typeface="Arial" panose="020B0604020202020204" pitchFamily="34" charset="0"/>
+        <a:spcAft>
+          <a:spcPts val="1000"/>
+        </a:spcAft>
+        <a:buClr>
+          <a:schemeClr val="tx1"/>
+        </a:buClr>
+        <a:buSzPct val="100000"/>
+        <a:buFont typeface="Arial"/>
         <a:buChar char="•"/>
-        <a:defRPr sz="1800" kern="1200">
+        <a:defRPr sz="1200" kern="1200" cap="none">
           <a:solidFill>
             <a:schemeClr val="tx1"/>
           </a:solidFill>
+          <a:effectLst/>
           <a:latin typeface="+mn-lt"/>
           <a:ea typeface="+mn-ea"/>
           <a:cs typeface="+mn-cs"/>
@@ -2857,7 +5719,7 @@
       <a:defPPr>
         <a:defRPr lang="en-US"/>
       </a:defPPr>
-      <a:lvl1pPr marL="0" algn="l" defTabSz="914400" rtl="0" eaLnBrk="1" latinLnBrk="0" hangingPunct="1">
+      <a:lvl1pPr marL="0" algn="l" defTabSz="457200" rtl="0" eaLnBrk="1" latinLnBrk="0" hangingPunct="1">
         <a:defRPr sz="1800" kern="1200">
           <a:solidFill>
             <a:schemeClr val="tx1"/>
@@ -2867,7 +5729,7 @@
           <a:cs typeface="+mn-cs"/>
         </a:defRPr>
       </a:lvl1pPr>
-      <a:lvl2pPr marL="457200" algn="l" defTabSz="914400" rtl="0" eaLnBrk="1" latinLnBrk="0" hangingPunct="1">
+      <a:lvl2pPr marL="457200" algn="l" defTabSz="457200" rtl="0" eaLnBrk="1" latinLnBrk="0" hangingPunct="1">
         <a:defRPr sz="1800" kern="1200">
           <a:solidFill>
             <a:schemeClr val="tx1"/>
@@ -2877,7 +5739,7 @@
           <a:cs typeface="+mn-cs"/>
         </a:defRPr>
       </a:lvl2pPr>
-      <a:lvl3pPr marL="914400" algn="l" defTabSz="914400" rtl="0" eaLnBrk="1" latinLnBrk="0" hangingPunct="1">
+      <a:lvl3pPr marL="914400" algn="l" defTabSz="457200" rtl="0" eaLnBrk="1" latinLnBrk="0" hangingPunct="1">
         <a:defRPr sz="1800" kern="1200">
           <a:solidFill>
             <a:schemeClr val="tx1"/>
@@ -2887,7 +5749,7 @@
           <a:cs typeface="+mn-cs"/>
         </a:defRPr>
       </a:lvl3pPr>
-      <a:lvl4pPr marL="1371600" algn="l" defTabSz="914400" rtl="0" eaLnBrk="1" latinLnBrk="0" hangingPunct="1">
+      <a:lvl4pPr marL="1371600" algn="l" defTabSz="457200" rtl="0" eaLnBrk="1" latinLnBrk="0" hangingPunct="1">
         <a:defRPr sz="1800" kern="1200">
           <a:solidFill>
             <a:schemeClr val="tx1"/>
@@ -2897,7 +5759,7 @@
           <a:cs typeface="+mn-cs"/>
         </a:defRPr>
       </a:lvl4pPr>
-      <a:lvl5pPr marL="1828800" algn="l" defTabSz="914400" rtl="0" eaLnBrk="1" latinLnBrk="0" hangingPunct="1">
+      <a:lvl5pPr marL="1828800" algn="l" defTabSz="457200" rtl="0" eaLnBrk="1" latinLnBrk="0" hangingPunct="1">
         <a:defRPr sz="1800" kern="1200">
           <a:solidFill>
             <a:schemeClr val="tx1"/>
@@ -2907,7 +5769,7 @@
           <a:cs typeface="+mn-cs"/>
         </a:defRPr>
       </a:lvl5pPr>
-      <a:lvl6pPr marL="2286000" algn="l" defTabSz="914400" rtl="0" eaLnBrk="1" latinLnBrk="0" hangingPunct="1">
+      <a:lvl6pPr marL="2286000" algn="l" defTabSz="457200" rtl="0" eaLnBrk="1" latinLnBrk="0" hangingPunct="1">
         <a:defRPr sz="1800" kern="1200">
           <a:solidFill>
             <a:schemeClr val="tx1"/>
@@ -2917,7 +5779,7 @@
           <a:cs typeface="+mn-cs"/>
         </a:defRPr>
       </a:lvl6pPr>
-      <a:lvl7pPr marL="2743200" algn="l" defTabSz="914400" rtl="0" eaLnBrk="1" latinLnBrk="0" hangingPunct="1">
+      <a:lvl7pPr marL="2743200" algn="l" defTabSz="457200" rtl="0" eaLnBrk="1" latinLnBrk="0" hangingPunct="1">
         <a:defRPr sz="1800" kern="1200">
           <a:solidFill>
             <a:schemeClr val="tx1"/>
@@ -2927,7 +5789,7 @@
           <a:cs typeface="+mn-cs"/>
         </a:defRPr>
       </a:lvl7pPr>
-      <a:lvl8pPr marL="3200400" algn="l" defTabSz="914400" rtl="0" eaLnBrk="1" latinLnBrk="0" hangingPunct="1">
+      <a:lvl8pPr marL="3200400" algn="l" defTabSz="457200" rtl="0" eaLnBrk="1" latinLnBrk="0" hangingPunct="1">
         <a:defRPr sz="1800" kern="1200">
           <a:solidFill>
             <a:schemeClr val="tx1"/>
@@ -2937,7 +5799,7 @@
           <a:cs typeface="+mn-cs"/>
         </a:defRPr>
       </a:lvl8pPr>
-      <a:lvl9pPr marL="3657600" algn="l" defTabSz="914400" rtl="0" eaLnBrk="1" latinLnBrk="0" hangingPunct="1">
+      <a:lvl9pPr marL="3657600" algn="l" defTabSz="457200" rtl="0" eaLnBrk="1" latinLnBrk="0" hangingPunct="1">
         <a:defRPr sz="1800" kern="1200">
           <a:solidFill>
             <a:schemeClr val="tx1"/>
@@ -3091,7 +5953,7 @@
           <a:lstStyle/>
           <a:p>
             <a:r>
-              <a:rPr lang="en-CA" dirty="0" smtClean="0"/>
+              <a:rPr lang="en-CA" sz="2800" dirty="0" smtClean="0"/>
               <a:t>[STORY] No more Greek Mythology -&gt; Sci-fi</a:t>
             </a:r>
           </a:p>
@@ -3099,28 +5961,28 @@
             <a:pPr marL="0" indent="0">
               <a:buNone/>
             </a:pPr>
-            <a:endParaRPr lang="en-CA" dirty="0" smtClean="0"/>
-          </a:p>
-          <a:p>
-            <a:r>
-              <a:rPr lang="en-CA" dirty="0" smtClean="0"/>
+            <a:endParaRPr lang="en-CA" sz="2800" dirty="0" smtClean="0"/>
+          </a:p>
+          <a:p>
+            <a:r>
+              <a:rPr lang="en-CA" sz="2800" dirty="0" smtClean="0"/>
               <a:t>[MECHANIC] Grapple Exploration</a:t>
             </a:r>
           </a:p>
           <a:p>
-            <a:endParaRPr lang="en-CA" dirty="0"/>
-          </a:p>
-          <a:p>
-            <a:r>
-              <a:rPr lang="en-CA" dirty="0" smtClean="0"/>
+            <a:endParaRPr lang="en-CA" sz="2800" dirty="0"/>
+          </a:p>
+          <a:p>
+            <a:r>
+              <a:rPr lang="en-CA" sz="2800" dirty="0" smtClean="0"/>
               <a:t>[MECHANIC] </a:t>
             </a:r>
             <a:r>
-              <a:rPr lang="en-CA" dirty="0" err="1" smtClean="0"/>
+              <a:rPr lang="en-CA" sz="2800" dirty="0" err="1" smtClean="0"/>
               <a:t>BreadCrumb</a:t>
             </a:r>
             <a:r>
-              <a:rPr lang="en-CA" dirty="0" smtClean="0"/>
+              <a:rPr lang="en-CA" sz="2800" dirty="0" smtClean="0"/>
               <a:t> Trail -&gt; Track Exploration</a:t>
             </a:r>
           </a:p>
@@ -3230,8 +6092,8 @@
         </p:blipFill>
         <p:spPr>
           <a:xfrm>
-            <a:off x="628650" y="1900702"/>
-            <a:ext cx="7886700" cy="4201184"/>
+            <a:off x="917725" y="2141538"/>
+            <a:ext cx="6851350" cy="3649662"/>
           </a:xfrm>
         </p:spPr>
       </p:pic>
@@ -3311,32 +6173,32 @@
           <a:lstStyle/>
           <a:p>
             <a:r>
-              <a:rPr lang="en-CA" dirty="0" smtClean="0"/>
+              <a:rPr lang="en-CA" sz="2800" dirty="0" smtClean="0"/>
               <a:t>[MECHANIC] Purchase Upgrades in Ship</a:t>
             </a:r>
           </a:p>
           <a:p>
-            <a:endParaRPr lang="en-CA" dirty="0"/>
-          </a:p>
-          <a:p>
-            <a:r>
-              <a:rPr lang="en-CA" dirty="0"/>
+            <a:endParaRPr lang="en-CA" sz="2800" dirty="0"/>
+          </a:p>
+          <a:p>
+            <a:r>
+              <a:rPr lang="en-CA" sz="2800" dirty="0"/>
               <a:t>[GAMEPLAY] Enemy kills matter -&gt; </a:t>
             </a:r>
             <a:r>
-              <a:rPr lang="en-CA" dirty="0" smtClean="0"/>
+              <a:rPr lang="en-CA" sz="2800" dirty="0" smtClean="0"/>
               <a:t>Currency</a:t>
             </a:r>
           </a:p>
           <a:p>
-            <a:endParaRPr lang="en-CA" dirty="0"/>
-          </a:p>
-          <a:p>
-            <a:r>
-              <a:rPr lang="en-CA" dirty="0" smtClean="0"/>
+            <a:endParaRPr lang="en-CA" sz="2800" dirty="0"/>
+          </a:p>
+          <a:p>
+            <a:r>
+              <a:rPr lang="en-CA" sz="2800" dirty="0" smtClean="0"/>
               <a:t>[ENEMIES] Enemy Variety + Behaviour</a:t>
             </a:r>
-            <a:endParaRPr lang="en-CA" dirty="0"/>
+            <a:endParaRPr lang="en-CA" sz="2800" dirty="0"/>
           </a:p>
           <a:p>
             <a:endParaRPr lang="en-CA" dirty="0"/>
@@ -3364,9 +6226,9 @@
 </file>
 
 <file path=ppt/theme/theme1.xml><?xml version="1.0" encoding="utf-8"?>
-<a:theme xmlns:a="http://schemas.openxmlformats.org/drawingml/2006/main" name="Office Theme">
+<a:theme xmlns:a="http://schemas.openxmlformats.org/drawingml/2006/main" name="Celestial">
   <a:themeElements>
-    <a:clrScheme name="Office Theme">
+    <a:clrScheme name="Celestial">
       <a:dk1>
         <a:sysClr val="windowText" lastClr="000000"/>
       </a:dk1>
@@ -3374,44 +6236,44 @@
         <a:sysClr val="window" lastClr="FFFFFF"/>
       </a:lt1>
       <a:dk2>
-        <a:srgbClr val="44546A"/>
+        <a:srgbClr val="18276C"/>
       </a:dk2>
       <a:lt2>
-        <a:srgbClr val="E7E6E6"/>
+        <a:srgbClr val="EBEBEB"/>
       </a:lt2>
       <a:accent1>
-        <a:srgbClr val="5B9BD5"/>
+        <a:srgbClr val="AC3EC1"/>
       </a:accent1>
       <a:accent2>
-        <a:srgbClr val="ED7D31"/>
+        <a:srgbClr val="477BD1"/>
       </a:accent2>
       <a:accent3>
-        <a:srgbClr val="A5A5A5"/>
+        <a:srgbClr val="46B298"/>
       </a:accent3>
       <a:accent4>
-        <a:srgbClr val="FFC000"/>
+        <a:srgbClr val="90BA4C"/>
       </a:accent4>
       <a:accent5>
-        <a:srgbClr val="4472C4"/>
+        <a:srgbClr val="DD9D31"/>
       </a:accent5>
       <a:accent6>
-        <a:srgbClr val="70AD47"/>
+        <a:srgbClr val="E25247"/>
       </a:accent6>
       <a:hlink>
-        <a:srgbClr val="0563C1"/>
+        <a:srgbClr val="C573D2"/>
       </a:hlink>
       <a:folHlink>
-        <a:srgbClr val="954F72"/>
+        <a:srgbClr val="CCAEE8"/>
       </a:folHlink>
     </a:clrScheme>
-    <a:fontScheme name="Office Theme">
+    <a:fontScheme name="Celestial">
       <a:majorFont>
         <a:latin typeface="Calibri Light" panose="020F0302020204030204"/>
         <a:ea typeface=""/>
         <a:cs typeface=""/>
-        <a:font script="Jpan" typeface="游ゴシック Light"/>
+        <a:font script="Jpan" typeface="ＭＳ Ｐゴシック"/>
         <a:font script="Hang" typeface="맑은 고딕"/>
-        <a:font script="Hans" typeface="等线 Light"/>
+        <a:font script="Hans" typeface="宋体"/>
         <a:font script="Hant" typeface="新細明體"/>
         <a:font script="Arab" typeface="Times New Roman"/>
         <a:font script="Hebr" typeface="Times New Roman"/>
@@ -3444,9 +6306,9 @@
         <a:latin typeface="Calibri" panose="020F0502020204030204"/>
         <a:ea typeface=""/>
         <a:cs typeface=""/>
-        <a:font script="Jpan" typeface="游ゴシック"/>
+        <a:font script="Jpan" typeface="ＭＳ Ｐゴシック"/>
         <a:font script="Hang" typeface="맑은 고딕"/>
-        <a:font script="Hans" typeface="等线"/>
+        <a:font script="Hans" typeface="宋体"/>
         <a:font script="Hant" typeface="新細明體"/>
         <a:font script="Arab" typeface="Arial"/>
         <a:font script="Hebr" typeface="Arial"/>
@@ -3476,7 +6338,7 @@
         <a:font script="Geor" typeface="Sylfaen"/>
       </a:minorFont>
     </a:fontScheme>
-    <a:fmtScheme name="Office Theme">
+    <a:fmtScheme name="Celestial">
       <a:fillStyleLst>
         <a:solidFill>
           <a:schemeClr val="phClr"/>
@@ -3485,23 +6347,14 @@
           <a:gsLst>
             <a:gs pos="0">
               <a:schemeClr val="phClr">
+                <a:tint val="70000"/>
                 <a:lumMod val="110000"/>
-                <a:satMod val="105000"/>
-                <a:tint val="67000"/>
-              </a:schemeClr>
-            </a:gs>
-            <a:gs pos="50000">
-              <a:schemeClr val="phClr">
-                <a:lumMod val="105000"/>
-                <a:satMod val="103000"/>
-                <a:tint val="73000"/>
               </a:schemeClr>
             </a:gs>
             <a:gs pos="100000">
               <a:schemeClr val="phClr">
-                <a:lumMod val="105000"/>
-                <a:satMod val="109000"/>
-                <a:tint val="81000"/>
+                <a:tint val="82000"/>
+                <a:alpha val="74000"/>
               </a:schemeClr>
             </a:gs>
           </a:gsLst>
@@ -3511,50 +6364,38 @@
           <a:gsLst>
             <a:gs pos="0">
               <a:schemeClr val="phClr">
-                <a:satMod val="103000"/>
-                <a:lumMod val="102000"/>
-                <a:tint val="94000"/>
-              </a:schemeClr>
-            </a:gs>
-            <a:gs pos="50000">
-              <a:schemeClr val="phClr">
-                <a:satMod val="110000"/>
+                <a:tint val="98000"/>
                 <a:lumMod val="100000"/>
-                <a:shade val="100000"/>
               </a:schemeClr>
             </a:gs>
             <a:gs pos="100000">
               <a:schemeClr val="phClr">
-                <a:lumMod val="99000"/>
-                <a:satMod val="120000"/>
-                <a:shade val="78000"/>
+                <a:shade val="88000"/>
+                <a:lumMod val="88000"/>
               </a:schemeClr>
             </a:gs>
           </a:gsLst>
-          <a:lin ang="5400000" scaled="0"/>
+          <a:lin ang="5400000" scaled="1"/>
         </a:gradFill>
       </a:fillStyleLst>
       <a:lnStyleLst>
-        <a:ln w="6350" cap="flat" cmpd="sng" algn="ctr">
+        <a:ln w="9525" cap="rnd" cmpd="sng" algn="ctr">
           <a:solidFill>
             <a:schemeClr val="phClr"/>
           </a:solidFill>
           <a:prstDash val="solid"/>
-          <a:miter lim="800000"/>
         </a:ln>
-        <a:ln w="12700" cap="flat" cmpd="sng" algn="ctr">
+        <a:ln w="19050" cap="rnd" cmpd="sng" algn="ctr">
           <a:solidFill>
             <a:schemeClr val="phClr"/>
           </a:solidFill>
           <a:prstDash val="solid"/>
-          <a:miter lim="800000"/>
         </a:ln>
-        <a:ln w="19050" cap="flat" cmpd="sng" algn="ctr">
+        <a:ln w="25400" cap="rnd" cmpd="sng" algn="ctr">
           <a:solidFill>
             <a:schemeClr val="phClr"/>
           </a:solidFill>
           <a:prstDash val="solid"/>
-          <a:miter lim="800000"/>
         </a:ln>
       </a:lnStyleLst>
       <a:effectStyleLst>
@@ -3562,55 +6403,64 @@
           <a:effectLst/>
         </a:effectStyle>
         <a:effectStyle>
-          <a:effectLst/>
+          <a:effectLst>
+            <a:outerShdw blurRad="50800" dist="38100" dir="5400000" rotWithShape="0">
+              <a:srgbClr val="000000">
+                <a:alpha val="35000"/>
+              </a:srgbClr>
+            </a:outerShdw>
+          </a:effectLst>
         </a:effectStyle>
         <a:effectStyle>
           <a:effectLst>
-            <a:outerShdw blurRad="57150" dist="19050" dir="5400000" algn="ctr" rotWithShape="0">
+            <a:outerShdw blurRad="63500" dist="38100" dir="5400000" rotWithShape="0">
               <a:srgbClr val="000000">
-                <a:alpha val="63000"/>
+                <a:alpha val="65000"/>
               </a:srgbClr>
             </a:outerShdw>
           </a:effectLst>
+          <a:scene3d>
+            <a:camera prst="orthographicFront">
+              <a:rot lat="0" lon="0" rev="0"/>
+            </a:camera>
+            <a:lightRig rig="threePt" dir="tl">
+              <a:rot lat="0" lon="0" rev="1200000"/>
+            </a:lightRig>
+          </a:scene3d>
+          <a:sp3d>
+            <a:bevelT w="38100" h="12700"/>
+          </a:sp3d>
         </a:effectStyle>
       </a:effectStyleLst>
       <a:bgFillStyleLst>
         <a:solidFill>
           <a:schemeClr val="phClr"/>
         </a:solidFill>
-        <a:solidFill>
-          <a:schemeClr val="phClr">
-            <a:tint val="95000"/>
-            <a:satMod val="170000"/>
-          </a:schemeClr>
-        </a:solidFill>
         <a:gradFill rotWithShape="1">
           <a:gsLst>
             <a:gs pos="0">
               <a:schemeClr val="phClr">
-                <a:tint val="93000"/>
-                <a:satMod val="150000"/>
-                <a:shade val="98000"/>
-                <a:lumMod val="102000"/>
-              </a:schemeClr>
-            </a:gs>
-            <a:gs pos="50000">
-              <a:schemeClr val="phClr">
-                <a:tint val="98000"/>
-                <a:satMod val="130000"/>
-                <a:shade val="90000"/>
-                <a:lumMod val="103000"/>
+                <a:tint val="90000"/>
+                <a:shade val="96000"/>
+                <a:hueMod val="100000"/>
+                <a:satMod val="180000"/>
+                <a:lumMod val="110000"/>
               </a:schemeClr>
             </a:gs>
             <a:gs pos="100000">
               <a:schemeClr val="phClr">
-                <a:shade val="63000"/>
-                <a:satMod val="120000"/>
+                <a:shade val="96000"/>
+                <a:satMod val="160000"/>
+                <a:lumMod val="100000"/>
               </a:schemeClr>
             </a:gs>
           </a:gsLst>
-          <a:lin ang="5400000" scaled="0"/>
+          <a:lin ang="4740000" scaled="1"/>
         </a:gradFill>
+        <a:blipFill>
+          <a:blip xmlns:r="http://schemas.openxmlformats.org/officeDocument/2006/relationships" r:embed="rId1"/>
+          <a:stretch/>
+        </a:blipFill>
       </a:bgFillStyleLst>
     </a:fmtScheme>
   </a:themeElements>
@@ -3618,7 +6468,7 @@
   <a:extraClrSchemeLst/>
   <a:extLst>
     <a:ext uri="{05A4C25C-085E-4340-85A3-A5531E510DB2}">
-      <thm15:themeFamily xmlns:thm15="http://schemas.microsoft.com/office/thememl/2012/main" name="Office Theme" id="{62F939B6-93AF-4DB8-9C6B-D6C7DFDC589F}" vid="{4A3C46E8-61CC-4603-A589-7422A47A8E4A}"/>
+      <thm15:themeFamily xmlns:thm15="http://schemas.microsoft.com/office/thememl/2012/main" name="Celestial" id="{C4BB2A3D-0E93-4C5F-B0D2-9D3FCE089CC5}" vid="{42E5908D-19A2-46FD-89FA-638B126129EF}"/>
     </a:ext>
   </a:extLst>
 </a:theme>

--- a/Documentation/TalosOriginsProgree.pptx
+++ b/Documentation/TalosOriginsProgree.pptx
@@ -339,7 +339,7 @@
           <a:p>
             <a:fld id="{098AA2DD-3A48-4BBA-A45A-3CB8AAA407A1}" type="datetimeFigureOut">
               <a:rPr lang="en-CA" smtClean="0"/>
-              <a:t>2015-10-31</a:t>
+              <a:t>2015-11-03</a:t>
             </a:fld>
             <a:endParaRPr lang="en-CA"/>
           </a:p>
@@ -643,7 +643,7 @@
           <a:p>
             <a:fld id="{098AA2DD-3A48-4BBA-A45A-3CB8AAA407A1}" type="datetimeFigureOut">
               <a:rPr lang="en-CA" smtClean="0"/>
-              <a:t>2015-10-31</a:t>
+              <a:t>2015-11-03</a:t>
             </a:fld>
             <a:endParaRPr lang="en-CA"/>
           </a:p>
@@ -921,7 +921,7 @@
           <a:p>
             <a:fld id="{098AA2DD-3A48-4BBA-A45A-3CB8AAA407A1}" type="datetimeFigureOut">
               <a:rPr lang="en-CA" smtClean="0"/>
-              <a:t>2015-10-31</a:t>
+              <a:t>2015-11-03</a:t>
             </a:fld>
             <a:endParaRPr lang="en-CA"/>
           </a:p>
@@ -1491,7 +1491,7 @@
           <a:p>
             <a:fld id="{098AA2DD-3A48-4BBA-A45A-3CB8AAA407A1}" type="datetimeFigureOut">
               <a:rPr lang="en-CA" smtClean="0"/>
-              <a:t>2015-10-31</a:t>
+              <a:t>2015-11-03</a:t>
             </a:fld>
             <a:endParaRPr lang="en-CA"/>
           </a:p>
@@ -1769,7 +1769,7 @@
           <a:p>
             <a:fld id="{098AA2DD-3A48-4BBA-A45A-3CB8AAA407A1}" type="datetimeFigureOut">
               <a:rPr lang="en-CA" smtClean="0"/>
-              <a:t>2015-10-31</a:t>
+              <a:t>2015-11-03</a:t>
             </a:fld>
             <a:endParaRPr lang="en-CA"/>
           </a:p>
@@ -2331,7 +2331,7 @@
           <a:p>
             <a:fld id="{098AA2DD-3A48-4BBA-A45A-3CB8AAA407A1}" type="datetimeFigureOut">
               <a:rPr lang="en-CA" smtClean="0"/>
-              <a:t>2015-10-31</a:t>
+              <a:t>2015-11-03</a:t>
             </a:fld>
             <a:endParaRPr lang="en-CA"/>
           </a:p>
@@ -2658,7 +2658,7 @@
           <a:p>
             <a:fld id="{098AA2DD-3A48-4BBA-A45A-3CB8AAA407A1}" type="datetimeFigureOut">
               <a:rPr lang="en-CA" smtClean="0"/>
-              <a:t>2015-10-31</a:t>
+              <a:t>2015-11-03</a:t>
             </a:fld>
             <a:endParaRPr lang="en-CA"/>
           </a:p>
@@ -2869,7 +2869,7 @@
           <a:p>
             <a:fld id="{098AA2DD-3A48-4BBA-A45A-3CB8AAA407A1}" type="datetimeFigureOut">
               <a:rPr lang="en-CA" smtClean="0"/>
-              <a:t>2015-10-31</a:t>
+              <a:t>2015-11-03</a:t>
             </a:fld>
             <a:endParaRPr lang="en-CA"/>
           </a:p>
@@ -3085,7 +3085,7 @@
           <a:p>
             <a:fld id="{098AA2DD-3A48-4BBA-A45A-3CB8AAA407A1}" type="datetimeFigureOut">
               <a:rPr lang="en-CA" smtClean="0"/>
-              <a:t>2015-10-31</a:t>
+              <a:t>2015-11-03</a:t>
             </a:fld>
             <a:endParaRPr lang="en-CA"/>
           </a:p>
@@ -3291,7 +3291,7 @@
           <a:p>
             <a:fld id="{098AA2DD-3A48-4BBA-A45A-3CB8AAA407A1}" type="datetimeFigureOut">
               <a:rPr lang="en-CA" smtClean="0"/>
-              <a:t>2015-10-31</a:t>
+              <a:t>2015-11-03</a:t>
             </a:fld>
             <a:endParaRPr lang="en-CA"/>
           </a:p>
@@ -3569,7 +3569,7 @@
           <a:p>
             <a:fld id="{098AA2DD-3A48-4BBA-A45A-3CB8AAA407A1}" type="datetimeFigureOut">
               <a:rPr lang="en-CA" smtClean="0"/>
-              <a:t>2015-10-31</a:t>
+              <a:t>2015-11-03</a:t>
             </a:fld>
             <a:endParaRPr lang="en-CA"/>
           </a:p>
@@ -3835,7 +3835,7 @@
           <a:p>
             <a:fld id="{098AA2DD-3A48-4BBA-A45A-3CB8AAA407A1}" type="datetimeFigureOut">
               <a:rPr lang="en-CA" smtClean="0"/>
-              <a:t>2015-10-31</a:t>
+              <a:t>2015-11-03</a:t>
             </a:fld>
             <a:endParaRPr lang="en-CA"/>
           </a:p>
@@ -4241,7 +4241,7 @@
           <a:p>
             <a:fld id="{098AA2DD-3A48-4BBA-A45A-3CB8AAA407A1}" type="datetimeFigureOut">
               <a:rPr lang="en-CA" smtClean="0"/>
-              <a:t>2015-10-31</a:t>
+              <a:t>2015-11-03</a:t>
             </a:fld>
             <a:endParaRPr lang="en-CA"/>
           </a:p>
@@ -4400,7 +4400,7 @@
           <a:p>
             <a:fld id="{098AA2DD-3A48-4BBA-A45A-3CB8AAA407A1}" type="datetimeFigureOut">
               <a:rPr lang="en-CA" smtClean="0"/>
-              <a:t>2015-10-31</a:t>
+              <a:t>2015-11-03</a:t>
             </a:fld>
             <a:endParaRPr lang="en-CA"/>
           </a:p>
@@ -4525,7 +4525,7 @@
           <a:p>
             <a:fld id="{098AA2DD-3A48-4BBA-A45A-3CB8AAA407A1}" type="datetimeFigureOut">
               <a:rPr lang="en-CA" smtClean="0"/>
-              <a:t>2015-10-31</a:t>
+              <a:t>2015-11-03</a:t>
             </a:fld>
             <a:endParaRPr lang="en-CA"/>
           </a:p>
@@ -4810,7 +4810,7 @@
           <a:p>
             <a:fld id="{098AA2DD-3A48-4BBA-A45A-3CB8AAA407A1}" type="datetimeFigureOut">
               <a:rPr lang="en-CA" smtClean="0"/>
-              <a:t>2015-10-31</a:t>
+              <a:t>2015-11-03</a:t>
             </a:fld>
             <a:endParaRPr lang="en-CA"/>
           </a:p>
@@ -5104,7 +5104,7 @@
           <a:p>
             <a:fld id="{098AA2DD-3A48-4BBA-A45A-3CB8AAA407A1}" type="datetimeFigureOut">
               <a:rPr lang="en-CA" smtClean="0"/>
-              <a:t>2015-10-31</a:t>
+              <a:t>2015-11-03</a:t>
             </a:fld>
             <a:endParaRPr lang="en-CA"/>
           </a:p>
@@ -5318,7 +5318,7 @@
           <a:p>
             <a:fld id="{098AA2DD-3A48-4BBA-A45A-3CB8AAA407A1}" type="datetimeFigureOut">
               <a:rPr lang="en-CA" smtClean="0"/>
-              <a:t>2015-10-31</a:t>
+              <a:t>2015-11-03</a:t>
             </a:fld>
             <a:endParaRPr lang="en-CA"/>
           </a:p>
@@ -6169,15 +6169,19 @@
         </p:nvSpPr>
         <p:spPr/>
         <p:txBody>
-          <a:bodyPr/>
+          <a:bodyPr>
+            <a:normAutofit fontScale="92500" lnSpcReduction="10000"/>
+          </a:bodyPr>
           <a:lstStyle/>
           <a:p>
             <a:r>
               <a:rPr lang="en-CA" sz="2800" dirty="0" smtClean="0"/>
-              <a:t>[MECHANIC] Purchase Upgrades in Ship</a:t>
-            </a:r>
-          </a:p>
-          <a:p>
+              <a:t>[MECHANIC] Purchase Upgrades in </a:t>
+            </a:r>
+            <a:r>
+              <a:rPr lang="en-CA" sz="2800" dirty="0" smtClean="0"/>
+              <a:t>Ship</a:t>
+            </a:r>
             <a:endParaRPr lang="en-CA" sz="2800" dirty="0"/>
           </a:p>
           <a:p>
@@ -6189,14 +6193,41 @@
               <a:rPr lang="en-CA" sz="2800" dirty="0" smtClean="0"/>
               <a:t>Currency</a:t>
             </a:r>
-          </a:p>
-          <a:p>
             <a:endParaRPr lang="en-CA" sz="2800" dirty="0"/>
           </a:p>
           <a:p>
             <a:r>
               <a:rPr lang="en-CA" sz="2800" dirty="0" smtClean="0"/>
-              <a:t>[ENEMIES] Enemy Variety + Behaviour</a:t>
+              <a:t>[ENEMIES] Enemy Variety + </a:t>
+            </a:r>
+            <a:r>
+              <a:rPr lang="en-CA" sz="2800" dirty="0" smtClean="0"/>
+              <a:t>Behaviour</a:t>
+            </a:r>
+            <a:endParaRPr lang="en-CA" sz="2800" dirty="0"/>
+          </a:p>
+          <a:p>
+            <a:r>
+              <a:rPr lang="en-CA" sz="2800" dirty="0" smtClean="0"/>
+              <a:t>[MECHANIC] Navigation improvements</a:t>
+            </a:r>
+          </a:p>
+          <a:p>
+            <a:r>
+              <a:rPr lang="en-CA" sz="2800" dirty="0" smtClean="0"/>
+              <a:t>[GAMEPLAY] Controller Support</a:t>
+            </a:r>
+          </a:p>
+          <a:p>
+            <a:r>
+              <a:rPr lang="en-CA" sz="2800" dirty="0" smtClean="0"/>
+              <a:t>[VISUAL] User Interface</a:t>
+            </a:r>
+          </a:p>
+          <a:p>
+            <a:r>
+              <a:rPr lang="en-CA" sz="2800" dirty="0" smtClean="0"/>
+              <a:t>[GAMEPLAY] Random Level Button</a:t>
             </a:r>
             <a:endParaRPr lang="en-CA" sz="2800" dirty="0"/>
           </a:p>
